--- a/presentations/frankfurt_july_2019 day4.pptx
+++ b/presentations/frankfurt_july_2019 day4.pptx
@@ -4194,18 +4194,16 @@
           <a:lstStyle/>
           <a:p>
             <a:r>
-              <a:rPr lang="en-US" dirty="0" smtClean="0"/>
-              <a:t>Matching</a:t>
-            </a:r>
-          </a:p>
-          <a:p>
-            <a:r>
-              <a:rPr lang="en-US" dirty="0" smtClean="0"/>
-              <a:t>Dynamic group composition (</a:t>
-            </a:r>
-            <a:r>
-              <a:rPr lang="en-US" dirty="0" err="1" smtClean="0"/>
-              <a:t>group_by_arrival_time</a:t>
+              <a:rPr lang="en-US" dirty="0"/>
+              <a:t>Dynamic fields (</a:t>
+            </a:r>
+            <a:r>
+              <a:rPr lang="en-US" dirty="0">
+                <a:latin typeface="Menlo" charset="0"/>
+                <a:ea typeface="Menlo" charset="0"/>
+                <a:cs typeface="Menlo" charset="0"/>
+              </a:rPr>
+              <a:t>min, max, choices</a:t>
             </a:r>
             <a:r>
               <a:rPr lang="en-US" dirty="0" smtClean="0"/>
@@ -4214,30 +4212,90 @@
           </a:p>
           <a:p>
             <a:r>
-              <a:rPr lang="en-US" dirty="0"/>
-              <a:t>Dynamic fields (min, max, choices</a:t>
+              <a:rPr lang="en-US" dirty="0" err="1" smtClean="0">
+                <a:latin typeface="Menlo" charset="0"/>
+                <a:ea typeface="Menlo" charset="0"/>
+                <a:cs typeface="Menlo" charset="0"/>
+              </a:rPr>
+              <a:t>get_FOO_display</a:t>
+            </a:r>
+            <a:endParaRPr lang="en-US" dirty="0" smtClean="0">
+              <a:latin typeface="Menlo" charset="0"/>
+              <a:ea typeface="Menlo" charset="0"/>
+              <a:cs typeface="Menlo" charset="0"/>
+            </a:endParaRPr>
+          </a:p>
+          <a:p>
+            <a:r>
+              <a:rPr lang="en-US" dirty="0" smtClean="0"/>
+              <a:t>Chaining apps (</a:t>
+            </a:r>
+            <a:r>
+              <a:rPr lang="en-US" dirty="0" err="1" smtClean="0">
+                <a:latin typeface="Menlo" charset="0"/>
+                <a:ea typeface="Menlo" charset="0"/>
+                <a:cs typeface="Menlo" charset="0"/>
+              </a:rPr>
+              <a:t>participant.vars</a:t>
             </a:r>
             <a:r>
               <a:rPr lang="en-US" dirty="0" smtClean="0"/>
               <a:t>)</a:t>
             </a:r>
+            <a:endParaRPr lang="en-US" dirty="0" smtClean="0"/>
           </a:p>
           <a:p>
             <a:r>
               <a:rPr lang="en-US" dirty="0" smtClean="0"/>
-              <a:t>Matching</a:t>
-            </a:r>
-          </a:p>
-          <a:p>
+              <a:t>Matching (</a:t>
+            </a:r>
+            <a:r>
+              <a:rPr lang="en-US" dirty="0" err="1" smtClean="0">
+                <a:latin typeface="Menlo" charset="0"/>
+                <a:ea typeface="Menlo" charset="0"/>
+                <a:cs typeface="Menlo" charset="0"/>
+              </a:rPr>
+              <a:t>group_randomly</a:t>
+            </a:r>
+            <a:r>
+              <a:rPr lang="en-US" dirty="0" smtClean="0">
+                <a:latin typeface="Menlo" charset="0"/>
+                <a:ea typeface="Menlo" charset="0"/>
+                <a:cs typeface="Menlo" charset="0"/>
+              </a:rPr>
+              <a:t>, </a:t>
+            </a:r>
+            <a:r>
+              <a:rPr lang="en-US" dirty="0" err="1" smtClean="0">
+                <a:latin typeface="Menlo" charset="0"/>
+                <a:ea typeface="Menlo" charset="0"/>
+                <a:cs typeface="Menlo" charset="0"/>
+              </a:rPr>
+              <a:t>set_group_matrix</a:t>
+            </a:r>
             <a:r>
               <a:rPr lang="en-US" dirty="0" smtClean="0"/>
-              <a:t>Chaining </a:t>
-            </a:r>
+              <a:t> etc.)</a:t>
+            </a:r>
+          </a:p>
+          <a:p>
             <a:r>
               <a:rPr lang="en-US" dirty="0"/>
-              <a:t>apps</a:t>
-            </a:r>
-            <a:endParaRPr lang="en-US" dirty="0" smtClean="0"/>
+              <a:t>Dynamic group composition (</a:t>
+            </a:r>
+            <a:r>
+              <a:rPr lang="en-US" dirty="0" err="1">
+                <a:latin typeface="Menlo" charset="0"/>
+                <a:ea typeface="Menlo" charset="0"/>
+                <a:cs typeface="Menlo" charset="0"/>
+              </a:rPr>
+              <a:t>group_by_arrival_time</a:t>
+            </a:r>
+            <a:r>
+              <a:rPr lang="en-US" dirty="0" smtClean="0"/>
+              <a:t>)</a:t>
+            </a:r>
+            <a:endParaRPr lang="en-US" dirty="0"/>
           </a:p>
         </p:txBody>
       </p:sp>

--- a/presentations/frankfurt_july_2019 day4.pptx
+++ b/presentations/frankfurt_july_2019 day4.pptx
@@ -5,11 +5,16 @@
     <p:sldMasterId id="2147483648" r:id="rId1"/>
   </p:sldMasterIdLst>
   <p:notesMasterIdLst>
-    <p:notesMasterId r:id="rId4"/>
+    <p:notesMasterId r:id="rId9"/>
   </p:notesMasterIdLst>
   <p:sldIdLst>
     <p:sldId id="354" r:id="rId2"/>
     <p:sldId id="384" r:id="rId3"/>
+    <p:sldId id="385" r:id="rId4"/>
+    <p:sldId id="387" r:id="rId5"/>
+    <p:sldId id="386" r:id="rId6"/>
+    <p:sldId id="388" r:id="rId7"/>
+    <p:sldId id="389" r:id="rId8"/>
   </p:sldIdLst>
   <p:sldSz cx="12192000" cy="6858000"/>
   <p:notesSz cx="6858000" cy="9144000"/>
@@ -4303,6 +4308,366 @@
     <p:extLst>
       <p:ext uri="{BB962C8B-B14F-4D97-AF65-F5344CB8AC3E}">
         <p14:creationId xmlns:p14="http://schemas.microsoft.com/office/powerpoint/2010/main" val="1526823771"/>
+      </p:ext>
+    </p:extLst>
+  </p:cSld>
+  <p:clrMapOvr>
+    <a:masterClrMapping/>
+  </p:clrMapOvr>
+</p:sld>
+</file>
+
+<file path=ppt/slides/slide3.xml><?xml version="1.0" encoding="utf-8"?>
+<p:sld xmlns:a="http://schemas.openxmlformats.org/drawingml/2006/main" xmlns:r="http://schemas.openxmlformats.org/officeDocument/2006/relationships" xmlns:p="http://schemas.openxmlformats.org/presentationml/2006/main">
+  <p:cSld>
+    <p:spTree>
+      <p:nvGrpSpPr>
+        <p:cNvPr id="1" name=""/>
+        <p:cNvGrpSpPr/>
+        <p:nvPr/>
+      </p:nvGrpSpPr>
+      <p:grpSpPr>
+        <a:xfrm>
+          <a:off x="0" y="0"/>
+          <a:ext cx="0" cy="0"/>
+          <a:chOff x="0" y="0"/>
+          <a:chExt cx="0" cy="0"/>
+        </a:xfrm>
+      </p:grpSpPr>
+      <p:sp>
+        <p:nvSpPr>
+          <p:cNvPr id="2" name="Title 1"/>
+          <p:cNvSpPr>
+            <a:spLocks noGrp="1"/>
+          </p:cNvSpPr>
+          <p:nvPr>
+            <p:ph type="title"/>
+          </p:nvPr>
+        </p:nvSpPr>
+        <p:spPr/>
+        <p:txBody>
+          <a:bodyPr/>
+          <a:lstStyle/>
+          <a:p>
+            <a:r>
+              <a:rPr lang="en-US" dirty="0" smtClean="0"/>
+              <a:t>Dynamic fields</a:t>
+            </a:r>
+            <a:endParaRPr lang="en-US" dirty="0"/>
+          </a:p>
+        </p:txBody>
+      </p:sp>
+      <p:sp>
+        <p:nvSpPr>
+          <p:cNvPr id="3" name="Content Placeholder 2"/>
+          <p:cNvSpPr>
+            <a:spLocks noGrp="1"/>
+          </p:cNvSpPr>
+          <p:nvPr>
+            <p:ph idx="1"/>
+          </p:nvPr>
+        </p:nvSpPr>
+        <p:spPr/>
+        <p:txBody>
+          <a:bodyPr/>
+          <a:lstStyle/>
+          <a:p>
+            <a:endParaRPr lang="en-US" dirty="0"/>
+          </a:p>
+        </p:txBody>
+      </p:sp>
+    </p:spTree>
+    <p:extLst>
+      <p:ext uri="{BB962C8B-B14F-4D97-AF65-F5344CB8AC3E}">
+        <p14:creationId xmlns:p14="http://schemas.microsoft.com/office/powerpoint/2010/main" val="76665083"/>
+      </p:ext>
+    </p:extLst>
+  </p:cSld>
+  <p:clrMapOvr>
+    <a:masterClrMapping/>
+  </p:clrMapOvr>
+</p:sld>
+</file>
+
+<file path=ppt/slides/slide4.xml><?xml version="1.0" encoding="utf-8"?>
+<p:sld xmlns:a="http://schemas.openxmlformats.org/drawingml/2006/main" xmlns:r="http://schemas.openxmlformats.org/officeDocument/2006/relationships" xmlns:p="http://schemas.openxmlformats.org/presentationml/2006/main">
+  <p:cSld>
+    <p:spTree>
+      <p:nvGrpSpPr>
+        <p:cNvPr id="1" name=""/>
+        <p:cNvGrpSpPr/>
+        <p:nvPr/>
+      </p:nvGrpSpPr>
+      <p:grpSpPr>
+        <a:xfrm>
+          <a:off x="0" y="0"/>
+          <a:ext cx="0" cy="0"/>
+          <a:chOff x="0" y="0"/>
+          <a:chExt cx="0" cy="0"/>
+        </a:xfrm>
+      </p:grpSpPr>
+      <p:sp>
+        <p:nvSpPr>
+          <p:cNvPr id="2" name="Title 1"/>
+          <p:cNvSpPr>
+            <a:spLocks noGrp="1"/>
+          </p:cNvSpPr>
+          <p:nvPr>
+            <p:ph type="title"/>
+          </p:nvPr>
+        </p:nvSpPr>
+        <p:spPr/>
+        <p:txBody>
+          <a:bodyPr/>
+          <a:lstStyle/>
+          <a:p>
+            <a:r>
+              <a:rPr lang="en-US" dirty="0" err="1" smtClean="0"/>
+              <a:t>get_FOO_display</a:t>
+            </a:r>
+            <a:endParaRPr lang="en-US" dirty="0"/>
+          </a:p>
+        </p:txBody>
+      </p:sp>
+      <p:sp>
+        <p:nvSpPr>
+          <p:cNvPr id="3" name="Content Placeholder 2"/>
+          <p:cNvSpPr>
+            <a:spLocks noGrp="1"/>
+          </p:cNvSpPr>
+          <p:nvPr>
+            <p:ph idx="1"/>
+          </p:nvPr>
+        </p:nvSpPr>
+        <p:spPr/>
+        <p:txBody>
+          <a:bodyPr/>
+          <a:lstStyle/>
+          <a:p>
+            <a:endParaRPr lang="en-US"/>
+          </a:p>
+        </p:txBody>
+      </p:sp>
+    </p:spTree>
+    <p:extLst>
+      <p:ext uri="{BB962C8B-B14F-4D97-AF65-F5344CB8AC3E}">
+        <p14:creationId xmlns:p14="http://schemas.microsoft.com/office/powerpoint/2010/main" val="1946971626"/>
+      </p:ext>
+    </p:extLst>
+  </p:cSld>
+  <p:clrMapOvr>
+    <a:masterClrMapping/>
+  </p:clrMapOvr>
+</p:sld>
+</file>
+
+<file path=ppt/slides/slide5.xml><?xml version="1.0" encoding="utf-8"?>
+<p:sld xmlns:a="http://schemas.openxmlformats.org/drawingml/2006/main" xmlns:r="http://schemas.openxmlformats.org/officeDocument/2006/relationships" xmlns:p="http://schemas.openxmlformats.org/presentationml/2006/main">
+  <p:cSld>
+    <p:spTree>
+      <p:nvGrpSpPr>
+        <p:cNvPr id="1" name=""/>
+        <p:cNvGrpSpPr/>
+        <p:nvPr/>
+      </p:nvGrpSpPr>
+      <p:grpSpPr>
+        <a:xfrm>
+          <a:off x="0" y="0"/>
+          <a:ext cx="0" cy="0"/>
+          <a:chOff x="0" y="0"/>
+          <a:chExt cx="0" cy="0"/>
+        </a:xfrm>
+      </p:grpSpPr>
+      <p:sp>
+        <p:nvSpPr>
+          <p:cNvPr id="2" name="Title 1"/>
+          <p:cNvSpPr>
+            <a:spLocks noGrp="1"/>
+          </p:cNvSpPr>
+          <p:nvPr>
+            <p:ph type="title"/>
+          </p:nvPr>
+        </p:nvSpPr>
+        <p:spPr/>
+        <p:txBody>
+          <a:bodyPr/>
+          <a:lstStyle/>
+          <a:p>
+            <a:r>
+              <a:rPr lang="en-US" dirty="0" smtClean="0"/>
+              <a:t>Chaining several apps</a:t>
+            </a:r>
+            <a:endParaRPr lang="en-US" dirty="0"/>
+          </a:p>
+        </p:txBody>
+      </p:sp>
+      <p:sp>
+        <p:nvSpPr>
+          <p:cNvPr id="3" name="Content Placeholder 2"/>
+          <p:cNvSpPr>
+            <a:spLocks noGrp="1"/>
+          </p:cNvSpPr>
+          <p:nvPr>
+            <p:ph idx="1"/>
+          </p:nvPr>
+        </p:nvSpPr>
+        <p:spPr/>
+        <p:txBody>
+          <a:bodyPr/>
+          <a:lstStyle/>
+          <a:p>
+            <a:endParaRPr lang="en-US"/>
+          </a:p>
+        </p:txBody>
+      </p:sp>
+    </p:spTree>
+    <p:extLst>
+      <p:ext uri="{BB962C8B-B14F-4D97-AF65-F5344CB8AC3E}">
+        <p14:creationId xmlns:p14="http://schemas.microsoft.com/office/powerpoint/2010/main" val="474437353"/>
+      </p:ext>
+    </p:extLst>
+  </p:cSld>
+  <p:clrMapOvr>
+    <a:masterClrMapping/>
+  </p:clrMapOvr>
+</p:sld>
+</file>
+
+<file path=ppt/slides/slide6.xml><?xml version="1.0" encoding="utf-8"?>
+<p:sld xmlns:a="http://schemas.openxmlformats.org/drawingml/2006/main" xmlns:r="http://schemas.openxmlformats.org/officeDocument/2006/relationships" xmlns:p="http://schemas.openxmlformats.org/presentationml/2006/main">
+  <p:cSld>
+    <p:spTree>
+      <p:nvGrpSpPr>
+        <p:cNvPr id="1" name=""/>
+        <p:cNvGrpSpPr/>
+        <p:nvPr/>
+      </p:nvGrpSpPr>
+      <p:grpSpPr>
+        <a:xfrm>
+          <a:off x="0" y="0"/>
+          <a:ext cx="0" cy="0"/>
+          <a:chOff x="0" y="0"/>
+          <a:chExt cx="0" cy="0"/>
+        </a:xfrm>
+      </p:grpSpPr>
+      <p:sp>
+        <p:nvSpPr>
+          <p:cNvPr id="2" name="Title 1"/>
+          <p:cNvSpPr>
+            <a:spLocks noGrp="1"/>
+          </p:cNvSpPr>
+          <p:nvPr>
+            <p:ph type="title"/>
+          </p:nvPr>
+        </p:nvSpPr>
+        <p:spPr/>
+        <p:txBody>
+          <a:bodyPr/>
+          <a:lstStyle/>
+          <a:p>
+            <a:r>
+              <a:rPr lang="en-US" dirty="0" smtClean="0"/>
+              <a:t>Matching</a:t>
+            </a:r>
+            <a:endParaRPr lang="en-US" dirty="0"/>
+          </a:p>
+        </p:txBody>
+      </p:sp>
+      <p:sp>
+        <p:nvSpPr>
+          <p:cNvPr id="3" name="Content Placeholder 2"/>
+          <p:cNvSpPr>
+            <a:spLocks noGrp="1"/>
+          </p:cNvSpPr>
+          <p:nvPr>
+            <p:ph idx="1"/>
+          </p:nvPr>
+        </p:nvSpPr>
+        <p:spPr/>
+        <p:txBody>
+          <a:bodyPr/>
+          <a:lstStyle/>
+          <a:p>
+            <a:endParaRPr lang="en-US"/>
+          </a:p>
+        </p:txBody>
+      </p:sp>
+    </p:spTree>
+    <p:extLst>
+      <p:ext uri="{BB962C8B-B14F-4D97-AF65-F5344CB8AC3E}">
+        <p14:creationId xmlns:p14="http://schemas.microsoft.com/office/powerpoint/2010/main" val="64050508"/>
+      </p:ext>
+    </p:extLst>
+  </p:cSld>
+  <p:clrMapOvr>
+    <a:masterClrMapping/>
+  </p:clrMapOvr>
+</p:sld>
+</file>
+
+<file path=ppt/slides/slide7.xml><?xml version="1.0" encoding="utf-8"?>
+<p:sld xmlns:a="http://schemas.openxmlformats.org/drawingml/2006/main" xmlns:r="http://schemas.openxmlformats.org/officeDocument/2006/relationships" xmlns:p="http://schemas.openxmlformats.org/presentationml/2006/main">
+  <p:cSld>
+    <p:spTree>
+      <p:nvGrpSpPr>
+        <p:cNvPr id="1" name=""/>
+        <p:cNvGrpSpPr/>
+        <p:nvPr/>
+      </p:nvGrpSpPr>
+      <p:grpSpPr>
+        <a:xfrm>
+          <a:off x="0" y="0"/>
+          <a:ext cx="0" cy="0"/>
+          <a:chOff x="0" y="0"/>
+          <a:chExt cx="0" cy="0"/>
+        </a:xfrm>
+      </p:grpSpPr>
+      <p:sp>
+        <p:nvSpPr>
+          <p:cNvPr id="2" name="Title 1"/>
+          <p:cNvSpPr>
+            <a:spLocks noGrp="1"/>
+          </p:cNvSpPr>
+          <p:nvPr>
+            <p:ph type="title"/>
+          </p:nvPr>
+        </p:nvSpPr>
+        <p:spPr/>
+        <p:txBody>
+          <a:bodyPr/>
+          <a:lstStyle/>
+          <a:p>
+            <a:r>
+              <a:rPr lang="en-US" dirty="0" smtClean="0"/>
+              <a:t>GBAT (Group by arrival time)</a:t>
+            </a:r>
+            <a:endParaRPr lang="en-US" dirty="0"/>
+          </a:p>
+        </p:txBody>
+      </p:sp>
+      <p:sp>
+        <p:nvSpPr>
+          <p:cNvPr id="3" name="Content Placeholder 2"/>
+          <p:cNvSpPr>
+            <a:spLocks noGrp="1"/>
+          </p:cNvSpPr>
+          <p:nvPr>
+            <p:ph idx="1"/>
+          </p:nvPr>
+        </p:nvSpPr>
+        <p:spPr/>
+        <p:txBody>
+          <a:bodyPr/>
+          <a:lstStyle/>
+          <a:p>
+            <a:endParaRPr lang="en-US"/>
+          </a:p>
+        </p:txBody>
+      </p:sp>
+    </p:spTree>
+    <p:extLst>
+      <p:ext uri="{BB962C8B-B14F-4D97-AF65-F5344CB8AC3E}">
+        <p14:creationId xmlns:p14="http://schemas.microsoft.com/office/powerpoint/2010/main" val="1894683726"/>
       </p:ext>
     </p:extLst>
   </p:cSld>

--- a/presentations/frankfurt_july_2019 day4.pptx
+++ b/presentations/frankfurt_july_2019 day4.pptx
@@ -5,16 +5,17 @@
     <p:sldMasterId id="2147483648" r:id="rId1"/>
   </p:sldMasterIdLst>
   <p:notesMasterIdLst>
-    <p:notesMasterId r:id="rId9"/>
+    <p:notesMasterId r:id="rId10"/>
   </p:notesMasterIdLst>
   <p:sldIdLst>
     <p:sldId id="354" r:id="rId2"/>
     <p:sldId id="384" r:id="rId3"/>
     <p:sldId id="385" r:id="rId4"/>
-    <p:sldId id="387" r:id="rId5"/>
-    <p:sldId id="386" r:id="rId6"/>
-    <p:sldId id="388" r:id="rId7"/>
-    <p:sldId id="389" r:id="rId8"/>
+    <p:sldId id="390" r:id="rId5"/>
+    <p:sldId id="387" r:id="rId6"/>
+    <p:sldId id="386" r:id="rId7"/>
+    <p:sldId id="388" r:id="rId8"/>
+    <p:sldId id="389" r:id="rId9"/>
   </p:sldIdLst>
   <p:sldSz cx="12192000" cy="6858000"/>
   <p:notesSz cx="6858000" cy="9144000"/>
@@ -1848,7 +1849,7 @@
             </a:lvl9pPr>
           </a:lstStyle>
           <a:p>
-            <a:endParaRPr lang="en-US" dirty="0"/>
+            <a:endParaRPr lang="en-US"/>
           </a:p>
         </p:txBody>
       </p:sp>
@@ -4198,45 +4199,77 @@
           <a:bodyPr/>
           <a:lstStyle/>
           <a:p>
-            <a:r>
-              <a:rPr lang="en-US" dirty="0"/>
-              <a:t>Dynamic fields (</a:t>
-            </a:r>
-            <a:r>
-              <a:rPr lang="en-US" dirty="0">
-                <a:latin typeface="Menlo" charset="0"/>
-                <a:ea typeface="Menlo" charset="0"/>
-                <a:cs typeface="Menlo" charset="0"/>
-              </a:rPr>
-              <a:t>min, max, choices</a:t>
-            </a:r>
-            <a:r>
-              <a:rPr lang="en-US" dirty="0" smtClean="0"/>
-              <a:t>)</a:t>
-            </a:r>
-          </a:p>
-          <a:p>
+            <a:pPr marL="0" indent="0" algn="ctr">
+              <a:buNone/>
+            </a:pPr>
             <a:r>
               <a:rPr lang="en-US" dirty="0" err="1" smtClean="0">
                 <a:latin typeface="Menlo" charset="0"/>
                 <a:ea typeface="Menlo" charset="0"/>
                 <a:cs typeface="Menlo" charset="0"/>
               </a:rPr>
-              <a:t>get_FOO_display</a:t>
-            </a:r>
-            <a:endParaRPr lang="en-US" dirty="0" smtClean="0">
+              <a:t>pggmatch</a:t>
+            </a:r>
+            <a:endParaRPr lang="en-US" smtClean="0">
               <a:latin typeface="Menlo" charset="0"/>
               <a:ea typeface="Menlo" charset="0"/>
               <a:cs typeface="Menlo" charset="0"/>
             </a:endParaRPr>
           </a:p>
           <a:p>
-            <a:r>
-              <a:rPr lang="en-US" dirty="0" smtClean="0"/>
+            <a:pPr marL="0" indent="0" algn="ctr">
+              <a:buNone/>
+            </a:pPr>
+            <a:endParaRPr lang="en-US" smtClean="0">
+              <a:latin typeface="Menlo" charset="0"/>
+              <a:ea typeface="Menlo" charset="0"/>
+              <a:cs typeface="Menlo" charset="0"/>
+            </a:endParaRPr>
+          </a:p>
+          <a:p>
+            <a:r>
+              <a:rPr lang="en-US" smtClean="0"/>
+              <a:t>Dynamic </a:t>
+            </a:r>
+            <a:r>
+              <a:rPr lang="en-US"/>
+              <a:t>fields (</a:t>
+            </a:r>
+            <a:r>
+              <a:rPr lang="en-US">
+                <a:latin typeface="Menlo" charset="0"/>
+                <a:ea typeface="Menlo" charset="0"/>
+                <a:cs typeface="Menlo" charset="0"/>
+              </a:rPr>
+              <a:t>min, max, choices</a:t>
+            </a:r>
+            <a:r>
+              <a:rPr lang="en-US" smtClean="0"/>
+              <a:t>)</a:t>
+            </a:r>
+          </a:p>
+          <a:p>
+            <a:r>
+              <a:rPr lang="en-US" err="1" smtClean="0">
+                <a:latin typeface="Menlo" charset="0"/>
+                <a:ea typeface="Menlo" charset="0"/>
+                <a:cs typeface="Menlo" charset="0"/>
+              </a:rPr>
+              <a:t>get_FOO_display</a:t>
+            </a:r>
+            <a:endParaRPr lang="en-US" smtClean="0">
+              <a:latin typeface="Menlo" charset="0"/>
+              <a:ea typeface="Menlo" charset="0"/>
+              <a:cs typeface="Menlo" charset="0"/>
+            </a:endParaRPr>
+          </a:p>
+          <a:p>
+            <a:r>
+              <a:rPr lang="en-US" smtClean="0"/>
               <a:t>Chaining apps (</a:t>
             </a:r>
             <a:r>
-              <a:rPr lang="en-US" dirty="0" err="1" smtClean="0">
+              <a:rPr lang="en-US" err="1" smtClean="0">
                 <a:latin typeface="Menlo" charset="0"/>
                 <a:ea typeface="Menlo" charset="0"/>
                 <a:cs typeface="Menlo" charset="0"/>
@@ -4244,18 +4277,17 @@
               <a:t>participant.vars</a:t>
             </a:r>
             <a:r>
-              <a:rPr lang="en-US" dirty="0" smtClean="0"/>
+              <a:rPr lang="en-US" smtClean="0"/>
               <a:t>)</a:t>
             </a:r>
-            <a:endParaRPr lang="en-US" dirty="0" smtClean="0"/>
-          </a:p>
-          <a:p>
-            <a:r>
-              <a:rPr lang="en-US" dirty="0" smtClean="0"/>
+          </a:p>
+          <a:p>
+            <a:r>
+              <a:rPr lang="en-US" smtClean="0"/>
               <a:t>Matching (</a:t>
             </a:r>
             <a:r>
-              <a:rPr lang="en-US" dirty="0" err="1" smtClean="0">
+              <a:rPr lang="en-US" err="1" smtClean="0">
                 <a:latin typeface="Menlo" charset="0"/>
                 <a:ea typeface="Menlo" charset="0"/>
                 <a:cs typeface="Menlo" charset="0"/>
@@ -4263,7 +4295,7 @@
               <a:t>group_randomly</a:t>
             </a:r>
             <a:r>
-              <a:rPr lang="en-US" dirty="0" smtClean="0">
+              <a:rPr lang="en-US" smtClean="0">
                 <a:latin typeface="Menlo" charset="0"/>
                 <a:ea typeface="Menlo" charset="0"/>
                 <a:cs typeface="Menlo" charset="0"/>
@@ -4271,7 +4303,7 @@
               <a:t>, </a:t>
             </a:r>
             <a:r>
-              <a:rPr lang="en-US" dirty="0" err="1" smtClean="0">
+              <a:rPr lang="en-US" err="1" smtClean="0">
                 <a:latin typeface="Menlo" charset="0"/>
                 <a:ea typeface="Menlo" charset="0"/>
                 <a:cs typeface="Menlo" charset="0"/>
@@ -4279,17 +4311,17 @@
               <a:t>set_group_matrix</a:t>
             </a:r>
             <a:r>
-              <a:rPr lang="en-US" dirty="0" smtClean="0"/>
+              <a:rPr lang="en-US" smtClean="0"/>
               <a:t> etc.)</a:t>
             </a:r>
           </a:p>
           <a:p>
             <a:r>
-              <a:rPr lang="en-US" dirty="0"/>
+              <a:rPr lang="en-US"/>
               <a:t>Dynamic group composition (</a:t>
             </a:r>
             <a:r>
-              <a:rPr lang="en-US" dirty="0" err="1">
+              <a:rPr lang="en-US" err="1">
                 <a:latin typeface="Menlo" charset="0"/>
                 <a:ea typeface="Menlo" charset="0"/>
                 <a:cs typeface="Menlo" charset="0"/>
@@ -4297,10 +4329,10 @@
               <a:t>group_by_arrival_time</a:t>
             </a:r>
             <a:r>
-              <a:rPr lang="en-US" dirty="0" smtClean="0"/>
+              <a:rPr lang="en-US" smtClean="0"/>
               <a:t>)</a:t>
             </a:r>
-            <a:endParaRPr lang="en-US" dirty="0"/>
+            <a:endParaRPr lang="en-US"/>
           </a:p>
         </p:txBody>
       </p:sp>
@@ -4314,6 +4346,13 @@
   <p:clrMapOvr>
     <a:masterClrMapping/>
   </p:clrMapOvr>
+  <p:timing>
+    <p:tnLst>
+      <p:par>
+        <p:cTn id="1" dur="indefinite" restart="never" nodeType="tmRoot"/>
+      </p:par>
+    </p:tnLst>
+  </p:timing>
 </p:sld>
 </file>
 
@@ -4350,29 +4389,1037 @@
           <a:lstStyle/>
           <a:p>
             <a:r>
-              <a:rPr lang="en-US" dirty="0" smtClean="0"/>
-              <a:t>Dynamic fields</a:t>
-            </a:r>
-            <a:endParaRPr lang="en-US" dirty="0"/>
-          </a:p>
-        </p:txBody>
-      </p:sp>
-      <p:sp>
-        <p:nvSpPr>
-          <p:cNvPr id="3" name="Content Placeholder 2"/>
-          <p:cNvSpPr>
-            <a:spLocks noGrp="1"/>
-          </p:cNvSpPr>
-          <p:nvPr>
-            <p:ph idx="1"/>
-          </p:nvPr>
-        </p:nvSpPr>
-        <p:spPr/>
-        <p:txBody>
-          <a:bodyPr/>
+              <a:rPr lang="en-US" smtClean="0"/>
+              <a:t>Dynamic fields. Q app</a:t>
+            </a:r>
+            <a:endParaRPr lang="en-US"/>
+          </a:p>
+        </p:txBody>
+      </p:sp>
+      <p:sp>
+        <p:nvSpPr>
+          <p:cNvPr id="4" name="Rectangle 3"/>
+          <p:cNvSpPr/>
+          <p:nvPr/>
+        </p:nvSpPr>
+        <p:spPr>
+          <a:xfrm>
+            <a:off x="323850" y="1690689"/>
+            <a:ext cx="12534900" cy="5016758"/>
+          </a:xfrm>
+          <a:prstGeom prst="rect">
+            <a:avLst/>
+          </a:prstGeom>
+        </p:spPr>
+        <p:txBody>
+          <a:bodyPr wrap="square">
+            <a:spAutoFit/>
+          </a:bodyPr>
           <a:lstStyle/>
           <a:p>
-            <a:endParaRPr lang="en-US" dirty="0"/>
+            <a:r>
+              <a:rPr lang="en-US" sz="1600">
+                <a:solidFill>
+                  <a:srgbClr val="CC7832"/>
+                </a:solidFill>
+                <a:latin typeface="Menlo" charset="0"/>
+                <a:ea typeface="Menlo" charset="0"/>
+                <a:cs typeface="Menlo" charset="0"/>
+              </a:rPr>
+              <a:t>class </a:t>
+            </a:r>
+            <a:r>
+              <a:rPr lang="en-US" sz="1600">
+                <a:latin typeface="Menlo" charset="0"/>
+                <a:ea typeface="Menlo" charset="0"/>
+                <a:cs typeface="Menlo" charset="0"/>
+              </a:rPr>
+              <a:t>Constants(</a:t>
+            </a:r>
+            <a:r>
+              <a:rPr lang="en-US" sz="1600" err="1">
+                <a:latin typeface="Menlo" charset="0"/>
+                <a:ea typeface="Menlo" charset="0"/>
+                <a:cs typeface="Menlo" charset="0"/>
+              </a:rPr>
+              <a:t>BaseConstants</a:t>
+            </a:r>
+            <a:r>
+              <a:rPr lang="en-US" sz="1600">
+                <a:latin typeface="Menlo" charset="0"/>
+                <a:ea typeface="Menlo" charset="0"/>
+                <a:cs typeface="Menlo" charset="0"/>
+              </a:rPr>
+              <a:t>):</a:t>
+            </a:r>
+            <a:br>
+              <a:rPr lang="en-US" sz="1600">
+                <a:latin typeface="Menlo" charset="0"/>
+                <a:ea typeface="Menlo" charset="0"/>
+                <a:cs typeface="Menlo" charset="0"/>
+              </a:rPr>
+            </a:br>
+            <a:r>
+              <a:rPr lang="en-US" sz="1600">
+                <a:latin typeface="Menlo" charset="0"/>
+                <a:ea typeface="Menlo" charset="0"/>
+                <a:cs typeface="Menlo" charset="0"/>
+              </a:rPr>
+              <a:t>    POLITY_CHOICES = [(</a:t>
+            </a:r>
+            <a:r>
+              <a:rPr lang="en-US" sz="1600">
+                <a:solidFill>
+                  <a:srgbClr val="6897BB"/>
+                </a:solidFill>
+                <a:latin typeface="Menlo" charset="0"/>
+                <a:ea typeface="Menlo" charset="0"/>
+                <a:cs typeface="Menlo" charset="0"/>
+              </a:rPr>
+              <a:t>0</a:t>
+            </a:r>
+            <a:r>
+              <a:rPr lang="en-US" sz="1600">
+                <a:solidFill>
+                  <a:srgbClr val="CC7832"/>
+                </a:solidFill>
+                <a:latin typeface="Menlo" charset="0"/>
+                <a:ea typeface="Menlo" charset="0"/>
+                <a:cs typeface="Menlo" charset="0"/>
+              </a:rPr>
+              <a:t>, </a:t>
+            </a:r>
+            <a:r>
+              <a:rPr lang="en-US" sz="1600">
+                <a:solidFill>
+                  <a:srgbClr val="6A8759"/>
+                </a:solidFill>
+                <a:latin typeface="Menlo" charset="0"/>
+                <a:ea typeface="Menlo" charset="0"/>
+                <a:cs typeface="Menlo" charset="0"/>
+              </a:rPr>
+              <a:t>'Donald Trump'</a:t>
+            </a:r>
+            <a:r>
+              <a:rPr lang="en-US" sz="1600">
+                <a:latin typeface="Menlo" charset="0"/>
+                <a:ea typeface="Menlo" charset="0"/>
+                <a:cs typeface="Menlo" charset="0"/>
+              </a:rPr>
+              <a:t>)</a:t>
+            </a:r>
+            <a:r>
+              <a:rPr lang="en-US" sz="1600">
+                <a:solidFill>
+                  <a:srgbClr val="CC7832"/>
+                </a:solidFill>
+                <a:latin typeface="Menlo" charset="0"/>
+                <a:ea typeface="Menlo" charset="0"/>
+                <a:cs typeface="Menlo" charset="0"/>
+              </a:rPr>
+              <a:t>, </a:t>
+            </a:r>
+            <a:r>
+              <a:rPr lang="en-US" sz="1600">
+                <a:latin typeface="Menlo" charset="0"/>
+                <a:ea typeface="Menlo" charset="0"/>
+                <a:cs typeface="Menlo" charset="0"/>
+              </a:rPr>
+              <a:t>(</a:t>
+            </a:r>
+            <a:r>
+              <a:rPr lang="en-US" sz="1600">
+                <a:solidFill>
+                  <a:srgbClr val="6897BB"/>
+                </a:solidFill>
+                <a:latin typeface="Menlo" charset="0"/>
+                <a:ea typeface="Menlo" charset="0"/>
+                <a:cs typeface="Menlo" charset="0"/>
+              </a:rPr>
+              <a:t>1</a:t>
+            </a:r>
+            <a:r>
+              <a:rPr lang="en-US" sz="1600">
+                <a:solidFill>
+                  <a:srgbClr val="CC7832"/>
+                </a:solidFill>
+                <a:latin typeface="Menlo" charset="0"/>
+                <a:ea typeface="Menlo" charset="0"/>
+                <a:cs typeface="Menlo" charset="0"/>
+              </a:rPr>
+              <a:t>, </a:t>
+            </a:r>
+            <a:r>
+              <a:rPr lang="en-US" sz="1600">
+                <a:solidFill>
+                  <a:srgbClr val="6A8759"/>
+                </a:solidFill>
+                <a:latin typeface="Menlo" charset="0"/>
+                <a:ea typeface="Menlo" charset="0"/>
+                <a:cs typeface="Menlo" charset="0"/>
+              </a:rPr>
+              <a:t>'Joe Biden'</a:t>
+            </a:r>
+            <a:r>
+              <a:rPr lang="en-US" sz="1600">
+                <a:latin typeface="Menlo" charset="0"/>
+                <a:ea typeface="Menlo" charset="0"/>
+                <a:cs typeface="Menlo" charset="0"/>
+              </a:rPr>
+              <a:t>)</a:t>
+            </a:r>
+            <a:r>
+              <a:rPr lang="en-US" sz="1600">
+                <a:solidFill>
+                  <a:srgbClr val="CC7832"/>
+                </a:solidFill>
+                <a:latin typeface="Menlo" charset="0"/>
+                <a:ea typeface="Menlo" charset="0"/>
+                <a:cs typeface="Menlo" charset="0"/>
+              </a:rPr>
+              <a:t>, </a:t>
+            </a:r>
+            <a:r>
+              <a:rPr lang="en-US" sz="1600">
+                <a:latin typeface="Menlo" charset="0"/>
+                <a:ea typeface="Menlo" charset="0"/>
+                <a:cs typeface="Menlo" charset="0"/>
+              </a:rPr>
+              <a:t>(</a:t>
+            </a:r>
+            <a:r>
+              <a:rPr lang="en-US" sz="1600">
+                <a:solidFill>
+                  <a:srgbClr val="6897BB"/>
+                </a:solidFill>
+                <a:latin typeface="Menlo" charset="0"/>
+                <a:ea typeface="Menlo" charset="0"/>
+                <a:cs typeface="Menlo" charset="0"/>
+              </a:rPr>
+              <a:t>2</a:t>
+            </a:r>
+            <a:r>
+              <a:rPr lang="en-US" sz="1600">
+                <a:solidFill>
+                  <a:srgbClr val="CC7832"/>
+                </a:solidFill>
+                <a:latin typeface="Menlo" charset="0"/>
+                <a:ea typeface="Menlo" charset="0"/>
+                <a:cs typeface="Menlo" charset="0"/>
+              </a:rPr>
+              <a:t>, </a:t>
+            </a:r>
+            <a:r>
+              <a:rPr lang="en-US" sz="1600">
+                <a:solidFill>
+                  <a:srgbClr val="6A8759"/>
+                </a:solidFill>
+                <a:latin typeface="Menlo" charset="0"/>
+                <a:ea typeface="Menlo" charset="0"/>
+                <a:cs typeface="Menlo" charset="0"/>
+              </a:rPr>
+              <a:t>'Another candidate'</a:t>
+            </a:r>
+            <a:r>
+              <a:rPr lang="en-US" sz="1600">
+                <a:latin typeface="Menlo" charset="0"/>
+                <a:ea typeface="Menlo" charset="0"/>
+                <a:cs typeface="Menlo" charset="0"/>
+              </a:rPr>
+              <a:t>)]</a:t>
+            </a:r>
+            <a:br>
+              <a:rPr lang="en-US" sz="1600">
+                <a:latin typeface="Menlo" charset="0"/>
+                <a:ea typeface="Menlo" charset="0"/>
+                <a:cs typeface="Menlo" charset="0"/>
+              </a:rPr>
+            </a:br>
+            <a:r>
+              <a:rPr lang="en-US" sz="1600">
+                <a:latin typeface="Menlo" charset="0"/>
+                <a:ea typeface="Menlo" charset="0"/>
+                <a:cs typeface="Menlo" charset="0"/>
+              </a:rPr>
+              <a:t/>
+            </a:r>
+            <a:br>
+              <a:rPr lang="en-US" sz="1600">
+                <a:latin typeface="Menlo" charset="0"/>
+                <a:ea typeface="Menlo" charset="0"/>
+                <a:cs typeface="Menlo" charset="0"/>
+              </a:rPr>
+            </a:br>
+            <a:r>
+              <a:rPr lang="en-US" sz="1600">
+                <a:latin typeface="Menlo" charset="0"/>
+                <a:ea typeface="Menlo" charset="0"/>
+                <a:cs typeface="Menlo" charset="0"/>
+              </a:rPr>
+              <a:t/>
+            </a:r>
+            <a:br>
+              <a:rPr lang="en-US" sz="1600">
+                <a:latin typeface="Menlo" charset="0"/>
+                <a:ea typeface="Menlo" charset="0"/>
+                <a:cs typeface="Menlo" charset="0"/>
+              </a:rPr>
+            </a:br>
+            <a:r>
+              <a:rPr lang="en-US" sz="1600">
+                <a:solidFill>
+                  <a:srgbClr val="CC7832"/>
+                </a:solidFill>
+                <a:latin typeface="Menlo" charset="0"/>
+                <a:ea typeface="Menlo" charset="0"/>
+                <a:cs typeface="Menlo" charset="0"/>
+              </a:rPr>
+              <a:t>class </a:t>
+            </a:r>
+            <a:r>
+              <a:rPr lang="en-US" sz="1600" err="1">
+                <a:latin typeface="Menlo" charset="0"/>
+                <a:ea typeface="Menlo" charset="0"/>
+                <a:cs typeface="Menlo" charset="0"/>
+              </a:rPr>
+              <a:t>Subsession</a:t>
+            </a:r>
+            <a:r>
+              <a:rPr lang="en-US" sz="1600">
+                <a:latin typeface="Menlo" charset="0"/>
+                <a:ea typeface="Menlo" charset="0"/>
+                <a:cs typeface="Menlo" charset="0"/>
+              </a:rPr>
+              <a:t>(</a:t>
+            </a:r>
+            <a:r>
+              <a:rPr lang="en-US" sz="1600" err="1">
+                <a:latin typeface="Menlo" charset="0"/>
+                <a:ea typeface="Menlo" charset="0"/>
+                <a:cs typeface="Menlo" charset="0"/>
+              </a:rPr>
+              <a:t>BaseSubsession</a:t>
+            </a:r>
+            <a:r>
+              <a:rPr lang="en-US" sz="1600">
+                <a:latin typeface="Menlo" charset="0"/>
+                <a:ea typeface="Menlo" charset="0"/>
+                <a:cs typeface="Menlo" charset="0"/>
+              </a:rPr>
+              <a:t>):</a:t>
+            </a:r>
+            <a:br>
+              <a:rPr lang="en-US" sz="1600">
+                <a:latin typeface="Menlo" charset="0"/>
+                <a:ea typeface="Menlo" charset="0"/>
+                <a:cs typeface="Menlo" charset="0"/>
+              </a:rPr>
+            </a:br>
+            <a:r>
+              <a:rPr lang="en-US" sz="1600">
+                <a:latin typeface="Menlo" charset="0"/>
+                <a:ea typeface="Menlo" charset="0"/>
+                <a:cs typeface="Menlo" charset="0"/>
+              </a:rPr>
+              <a:t>    </a:t>
+            </a:r>
+            <a:r>
+              <a:rPr lang="en-US" sz="1600" err="1">
+                <a:solidFill>
+                  <a:srgbClr val="CC7832"/>
+                </a:solidFill>
+                <a:latin typeface="Menlo" charset="0"/>
+                <a:ea typeface="Menlo" charset="0"/>
+                <a:cs typeface="Menlo" charset="0"/>
+              </a:rPr>
+              <a:t>def</a:t>
+            </a:r>
+            <a:r>
+              <a:rPr lang="en-US" sz="1600">
+                <a:solidFill>
+                  <a:srgbClr val="CC7832"/>
+                </a:solidFill>
+                <a:latin typeface="Menlo" charset="0"/>
+                <a:ea typeface="Menlo" charset="0"/>
+                <a:cs typeface="Menlo" charset="0"/>
+              </a:rPr>
+              <a:t> </a:t>
+            </a:r>
+            <a:r>
+              <a:rPr lang="en-US" sz="1600" err="1">
+                <a:solidFill>
+                  <a:srgbClr val="FFC66D"/>
+                </a:solidFill>
+                <a:latin typeface="Menlo" charset="0"/>
+                <a:ea typeface="Menlo" charset="0"/>
+                <a:cs typeface="Menlo" charset="0"/>
+              </a:rPr>
+              <a:t>creating_session</a:t>
+            </a:r>
+            <a:r>
+              <a:rPr lang="en-US" sz="1600">
+                <a:latin typeface="Menlo" charset="0"/>
+                <a:ea typeface="Menlo" charset="0"/>
+                <a:cs typeface="Menlo" charset="0"/>
+              </a:rPr>
+              <a:t>(</a:t>
+            </a:r>
+            <a:r>
+              <a:rPr lang="en-US" sz="1600">
+                <a:solidFill>
+                  <a:srgbClr val="94558D"/>
+                </a:solidFill>
+                <a:latin typeface="Menlo" charset="0"/>
+                <a:ea typeface="Menlo" charset="0"/>
+                <a:cs typeface="Menlo" charset="0"/>
+              </a:rPr>
+              <a:t>self</a:t>
+            </a:r>
+            <a:r>
+              <a:rPr lang="en-US" sz="1600">
+                <a:latin typeface="Menlo" charset="0"/>
+                <a:ea typeface="Menlo" charset="0"/>
+                <a:cs typeface="Menlo" charset="0"/>
+              </a:rPr>
+              <a:t>):</a:t>
+            </a:r>
+            <a:br>
+              <a:rPr lang="en-US" sz="1600">
+                <a:latin typeface="Menlo" charset="0"/>
+                <a:ea typeface="Menlo" charset="0"/>
+                <a:cs typeface="Menlo" charset="0"/>
+              </a:rPr>
+            </a:br>
+            <a:r>
+              <a:rPr lang="en-US" sz="1600">
+                <a:latin typeface="Menlo" charset="0"/>
+                <a:ea typeface="Menlo" charset="0"/>
+                <a:cs typeface="Menlo" charset="0"/>
+              </a:rPr>
+              <a:t>        </a:t>
+            </a:r>
+            <a:r>
+              <a:rPr lang="en-US" sz="1600">
+                <a:solidFill>
+                  <a:srgbClr val="CC7832"/>
+                </a:solidFill>
+                <a:latin typeface="Menlo" charset="0"/>
+                <a:ea typeface="Menlo" charset="0"/>
+                <a:cs typeface="Menlo" charset="0"/>
+              </a:rPr>
+              <a:t>for </a:t>
+            </a:r>
+            <a:r>
+              <a:rPr lang="en-US" sz="1600">
+                <a:latin typeface="Menlo" charset="0"/>
+                <a:ea typeface="Menlo" charset="0"/>
+                <a:cs typeface="Menlo" charset="0"/>
+              </a:rPr>
+              <a:t>p </a:t>
+            </a:r>
+            <a:r>
+              <a:rPr lang="en-US" sz="1600">
+                <a:solidFill>
+                  <a:srgbClr val="CC7832"/>
+                </a:solidFill>
+                <a:latin typeface="Menlo" charset="0"/>
+                <a:ea typeface="Menlo" charset="0"/>
+                <a:cs typeface="Menlo" charset="0"/>
+              </a:rPr>
+              <a:t>in </a:t>
+            </a:r>
+            <a:r>
+              <a:rPr lang="en-US" sz="1600" err="1">
+                <a:solidFill>
+                  <a:srgbClr val="94558D"/>
+                </a:solidFill>
+                <a:latin typeface="Menlo" charset="0"/>
+                <a:ea typeface="Menlo" charset="0"/>
+                <a:cs typeface="Menlo" charset="0"/>
+              </a:rPr>
+              <a:t>self</a:t>
+            </a:r>
+            <a:r>
+              <a:rPr lang="en-US" sz="1600" err="1">
+                <a:latin typeface="Menlo" charset="0"/>
+                <a:ea typeface="Menlo" charset="0"/>
+                <a:cs typeface="Menlo" charset="0"/>
+              </a:rPr>
+              <a:t>.get_players</a:t>
+            </a:r>
+            <a:r>
+              <a:rPr lang="en-US" sz="1600">
+                <a:latin typeface="Menlo" charset="0"/>
+                <a:ea typeface="Menlo" charset="0"/>
+                <a:cs typeface="Menlo" charset="0"/>
+              </a:rPr>
+              <a:t>():</a:t>
+            </a:r>
+            <a:br>
+              <a:rPr lang="en-US" sz="1600">
+                <a:latin typeface="Menlo" charset="0"/>
+                <a:ea typeface="Menlo" charset="0"/>
+                <a:cs typeface="Menlo" charset="0"/>
+              </a:rPr>
+            </a:br>
+            <a:r>
+              <a:rPr lang="en-US" sz="1600">
+                <a:latin typeface="Menlo" charset="0"/>
+                <a:ea typeface="Menlo" charset="0"/>
+                <a:cs typeface="Menlo" charset="0"/>
+              </a:rPr>
+              <a:t>            choices = </a:t>
+            </a:r>
+            <a:r>
+              <a:rPr lang="en-US" sz="1600" err="1">
+                <a:latin typeface="Menlo" charset="0"/>
+                <a:ea typeface="Menlo" charset="0"/>
+                <a:cs typeface="Menlo" charset="0"/>
+              </a:rPr>
+              <a:t>Constants.POLITY_CHOICES.copy</a:t>
+            </a:r>
+            <a:r>
+              <a:rPr lang="en-US" sz="1600">
+                <a:latin typeface="Menlo" charset="0"/>
+                <a:ea typeface="Menlo" charset="0"/>
+                <a:cs typeface="Menlo" charset="0"/>
+              </a:rPr>
+              <a:t>()</a:t>
+            </a:r>
+            <a:br>
+              <a:rPr lang="en-US" sz="1600">
+                <a:latin typeface="Menlo" charset="0"/>
+                <a:ea typeface="Menlo" charset="0"/>
+                <a:cs typeface="Menlo" charset="0"/>
+              </a:rPr>
+            </a:br>
+            <a:r>
+              <a:rPr lang="en-US" sz="1600">
+                <a:latin typeface="Menlo" charset="0"/>
+                <a:ea typeface="Menlo" charset="0"/>
+                <a:cs typeface="Menlo" charset="0"/>
+              </a:rPr>
+              <a:t>            </a:t>
+            </a:r>
+            <a:r>
+              <a:rPr lang="en-US" sz="1600" err="1">
+                <a:latin typeface="Menlo" charset="0"/>
+                <a:ea typeface="Menlo" charset="0"/>
+                <a:cs typeface="Menlo" charset="0"/>
+              </a:rPr>
+              <a:t>random.shuffle</a:t>
+            </a:r>
+            <a:r>
+              <a:rPr lang="en-US" sz="1600">
+                <a:latin typeface="Menlo" charset="0"/>
+                <a:ea typeface="Menlo" charset="0"/>
+                <a:cs typeface="Menlo" charset="0"/>
+              </a:rPr>
+              <a:t>(choices)</a:t>
+            </a:r>
+            <a:br>
+              <a:rPr lang="en-US" sz="1600">
+                <a:latin typeface="Menlo" charset="0"/>
+                <a:ea typeface="Menlo" charset="0"/>
+                <a:cs typeface="Menlo" charset="0"/>
+              </a:rPr>
+            </a:br>
+            <a:r>
+              <a:rPr lang="en-US" sz="1600">
+                <a:latin typeface="Menlo" charset="0"/>
+                <a:ea typeface="Menlo" charset="0"/>
+                <a:cs typeface="Menlo" charset="0"/>
+              </a:rPr>
+              <a:t>            </a:t>
+            </a:r>
+            <a:r>
+              <a:rPr lang="en-US" sz="1600" err="1">
+                <a:latin typeface="Menlo" charset="0"/>
+                <a:ea typeface="Menlo" charset="0"/>
+                <a:cs typeface="Menlo" charset="0"/>
+              </a:rPr>
+              <a:t>p.participant.vars</a:t>
+            </a:r>
+            <a:r>
+              <a:rPr lang="en-US" sz="1600">
+                <a:latin typeface="Menlo" charset="0"/>
+                <a:ea typeface="Menlo" charset="0"/>
+                <a:cs typeface="Menlo" charset="0"/>
+              </a:rPr>
+              <a:t>[</a:t>
+            </a:r>
+            <a:r>
+              <a:rPr lang="en-US" sz="1600">
+                <a:solidFill>
+                  <a:srgbClr val="6A8759"/>
+                </a:solidFill>
+                <a:latin typeface="Menlo" charset="0"/>
+                <a:ea typeface="Menlo" charset="0"/>
+                <a:cs typeface="Menlo" charset="0"/>
+              </a:rPr>
+              <a:t>'</a:t>
+            </a:r>
+            <a:r>
+              <a:rPr lang="en-US" sz="1600" err="1">
+                <a:solidFill>
+                  <a:srgbClr val="6A8759"/>
+                </a:solidFill>
+                <a:latin typeface="Menlo" charset="0"/>
+                <a:ea typeface="Menlo" charset="0"/>
+                <a:cs typeface="Menlo" charset="0"/>
+              </a:rPr>
+              <a:t>politics_choices</a:t>
+            </a:r>
+            <a:r>
+              <a:rPr lang="en-US" sz="1600">
+                <a:solidFill>
+                  <a:srgbClr val="6A8759"/>
+                </a:solidFill>
+                <a:latin typeface="Menlo" charset="0"/>
+                <a:ea typeface="Menlo" charset="0"/>
+                <a:cs typeface="Menlo" charset="0"/>
+              </a:rPr>
+              <a:t>'</a:t>
+            </a:r>
+            <a:r>
+              <a:rPr lang="en-US" sz="1600">
+                <a:latin typeface="Menlo" charset="0"/>
+                <a:ea typeface="Menlo" charset="0"/>
+                <a:cs typeface="Menlo" charset="0"/>
+              </a:rPr>
+              <a:t>] = choices</a:t>
+            </a:r>
+            <a:br>
+              <a:rPr lang="en-US" sz="1600">
+                <a:latin typeface="Menlo" charset="0"/>
+                <a:ea typeface="Menlo" charset="0"/>
+                <a:cs typeface="Menlo" charset="0"/>
+              </a:rPr>
+            </a:br>
+            <a:r>
+              <a:rPr lang="en-US" sz="1600">
+                <a:latin typeface="Menlo" charset="0"/>
+                <a:ea typeface="Menlo" charset="0"/>
+                <a:cs typeface="Menlo" charset="0"/>
+              </a:rPr>
+              <a:t>            </a:t>
+            </a:r>
+            <a:r>
+              <a:rPr lang="en-US" sz="1600" err="1">
+                <a:latin typeface="Menlo" charset="0"/>
+                <a:ea typeface="Menlo" charset="0"/>
+                <a:cs typeface="Menlo" charset="0"/>
+              </a:rPr>
+              <a:t>p.politics_set</a:t>
+            </a:r>
+            <a:r>
+              <a:rPr lang="en-US" sz="1600">
+                <a:latin typeface="Menlo" charset="0"/>
+                <a:ea typeface="Menlo" charset="0"/>
+                <a:cs typeface="Menlo" charset="0"/>
+              </a:rPr>
+              <a:t> = </a:t>
+            </a:r>
+            <a:r>
+              <a:rPr lang="en-US" sz="1600" err="1">
+                <a:solidFill>
+                  <a:srgbClr val="8888C6"/>
+                </a:solidFill>
+                <a:latin typeface="Menlo" charset="0"/>
+                <a:ea typeface="Menlo" charset="0"/>
+                <a:cs typeface="Menlo" charset="0"/>
+              </a:rPr>
+              <a:t>str</a:t>
+            </a:r>
+            <a:r>
+              <a:rPr lang="en-US" sz="1600">
+                <a:latin typeface="Menlo" charset="0"/>
+                <a:ea typeface="Menlo" charset="0"/>
+                <a:cs typeface="Menlo" charset="0"/>
+              </a:rPr>
+              <a:t>(choices)</a:t>
+            </a:r>
+            <a:br>
+              <a:rPr lang="en-US" sz="1600">
+                <a:latin typeface="Menlo" charset="0"/>
+                <a:ea typeface="Menlo" charset="0"/>
+                <a:cs typeface="Menlo" charset="0"/>
+              </a:rPr>
+            </a:br>
+            <a:r>
+              <a:rPr lang="en-US" sz="1600">
+                <a:latin typeface="Menlo" charset="0"/>
+                <a:ea typeface="Menlo" charset="0"/>
+                <a:cs typeface="Menlo" charset="0"/>
+              </a:rPr>
+              <a:t/>
+            </a:r>
+            <a:br>
+              <a:rPr lang="en-US" sz="1600">
+                <a:latin typeface="Menlo" charset="0"/>
+                <a:ea typeface="Menlo" charset="0"/>
+                <a:cs typeface="Menlo" charset="0"/>
+              </a:rPr>
+            </a:br>
+            <a:r>
+              <a:rPr lang="en-US" sz="1600">
+                <a:latin typeface="Menlo" charset="0"/>
+                <a:ea typeface="Menlo" charset="0"/>
+                <a:cs typeface="Menlo" charset="0"/>
+              </a:rPr>
+              <a:t/>
+            </a:r>
+            <a:br>
+              <a:rPr lang="en-US" sz="1600">
+                <a:latin typeface="Menlo" charset="0"/>
+                <a:ea typeface="Menlo" charset="0"/>
+                <a:cs typeface="Menlo" charset="0"/>
+              </a:rPr>
+            </a:br>
+            <a:r>
+              <a:rPr lang="en-US" sz="1600">
+                <a:solidFill>
+                  <a:srgbClr val="CC7832"/>
+                </a:solidFill>
+                <a:latin typeface="Menlo" charset="0"/>
+                <a:ea typeface="Menlo" charset="0"/>
+                <a:cs typeface="Menlo" charset="0"/>
+              </a:rPr>
+              <a:t>class </a:t>
+            </a:r>
+            <a:r>
+              <a:rPr lang="en-US" sz="1600">
+                <a:latin typeface="Menlo" charset="0"/>
+                <a:ea typeface="Menlo" charset="0"/>
+                <a:cs typeface="Menlo" charset="0"/>
+              </a:rPr>
+              <a:t>Player(</a:t>
+            </a:r>
+            <a:r>
+              <a:rPr lang="en-US" sz="1600" err="1">
+                <a:latin typeface="Menlo" charset="0"/>
+                <a:ea typeface="Menlo" charset="0"/>
+                <a:cs typeface="Menlo" charset="0"/>
+              </a:rPr>
+              <a:t>BasePlayer</a:t>
+            </a:r>
+            <a:r>
+              <a:rPr lang="en-US" sz="1600">
+                <a:latin typeface="Menlo" charset="0"/>
+                <a:ea typeface="Menlo" charset="0"/>
+                <a:cs typeface="Menlo" charset="0"/>
+              </a:rPr>
+              <a:t>):</a:t>
+            </a:r>
+            <a:br>
+              <a:rPr lang="en-US" sz="1600">
+                <a:latin typeface="Menlo" charset="0"/>
+                <a:ea typeface="Menlo" charset="0"/>
+                <a:cs typeface="Menlo" charset="0"/>
+              </a:rPr>
+            </a:br>
+            <a:r>
+              <a:rPr lang="en-US" sz="1600">
+                <a:latin typeface="Menlo" charset="0"/>
+                <a:ea typeface="Menlo" charset="0"/>
+                <a:cs typeface="Menlo" charset="0"/>
+              </a:rPr>
+              <a:t>    politics = </a:t>
+            </a:r>
+            <a:r>
+              <a:rPr lang="en-US" sz="1600" err="1">
+                <a:latin typeface="Menlo" charset="0"/>
+                <a:ea typeface="Menlo" charset="0"/>
+                <a:cs typeface="Menlo" charset="0"/>
+              </a:rPr>
+              <a:t>models.IntegerField</a:t>
+            </a:r>
+            <a:r>
+              <a:rPr lang="en-US" sz="1600">
+                <a:latin typeface="Menlo" charset="0"/>
+                <a:ea typeface="Menlo" charset="0"/>
+                <a:cs typeface="Menlo" charset="0"/>
+              </a:rPr>
+              <a:t>(</a:t>
+            </a:r>
+            <a:r>
+              <a:rPr lang="en-US" sz="1600">
+                <a:solidFill>
+                  <a:srgbClr val="AA4926"/>
+                </a:solidFill>
+                <a:latin typeface="Menlo" charset="0"/>
+                <a:ea typeface="Menlo" charset="0"/>
+                <a:cs typeface="Menlo" charset="0"/>
+              </a:rPr>
+              <a:t>widget</a:t>
+            </a:r>
+            <a:r>
+              <a:rPr lang="en-US" sz="1600">
+                <a:latin typeface="Menlo" charset="0"/>
+                <a:ea typeface="Menlo" charset="0"/>
+                <a:cs typeface="Menlo" charset="0"/>
+              </a:rPr>
+              <a:t>=</a:t>
+            </a:r>
+            <a:r>
+              <a:rPr lang="en-US" sz="1600" err="1">
+                <a:latin typeface="Menlo" charset="0"/>
+                <a:ea typeface="Menlo" charset="0"/>
+                <a:cs typeface="Menlo" charset="0"/>
+              </a:rPr>
+              <a:t>widgets.RadioSelect</a:t>
+            </a:r>
+            <a:r>
+              <a:rPr lang="en-US" sz="1600">
+                <a:latin typeface="Menlo" charset="0"/>
+                <a:ea typeface="Menlo" charset="0"/>
+                <a:cs typeface="Menlo" charset="0"/>
+              </a:rPr>
+              <a:t>)</a:t>
+            </a:r>
+            <a:br>
+              <a:rPr lang="en-US" sz="1600">
+                <a:latin typeface="Menlo" charset="0"/>
+                <a:ea typeface="Menlo" charset="0"/>
+                <a:cs typeface="Menlo" charset="0"/>
+              </a:rPr>
+            </a:br>
+            <a:r>
+              <a:rPr lang="en-US" sz="1600">
+                <a:latin typeface="Menlo" charset="0"/>
+                <a:ea typeface="Menlo" charset="0"/>
+                <a:cs typeface="Menlo" charset="0"/>
+              </a:rPr>
+              <a:t>    </a:t>
+            </a:r>
+            <a:r>
+              <a:rPr lang="en-US" sz="1600" err="1">
+                <a:latin typeface="Menlo" charset="0"/>
+                <a:ea typeface="Menlo" charset="0"/>
+                <a:cs typeface="Menlo" charset="0"/>
+              </a:rPr>
+              <a:t>politics_set</a:t>
+            </a:r>
+            <a:r>
+              <a:rPr lang="en-US" sz="1600">
+                <a:latin typeface="Menlo" charset="0"/>
+                <a:ea typeface="Menlo" charset="0"/>
+                <a:cs typeface="Menlo" charset="0"/>
+              </a:rPr>
+              <a:t> = </a:t>
+            </a:r>
+            <a:r>
+              <a:rPr lang="en-US" sz="1600" err="1">
+                <a:latin typeface="Menlo" charset="0"/>
+                <a:ea typeface="Menlo" charset="0"/>
+                <a:cs typeface="Menlo" charset="0"/>
+              </a:rPr>
+              <a:t>models.StringField</a:t>
+            </a:r>
+            <a:r>
+              <a:rPr lang="en-US" sz="1600">
+                <a:latin typeface="Menlo" charset="0"/>
+                <a:ea typeface="Menlo" charset="0"/>
+                <a:cs typeface="Menlo" charset="0"/>
+              </a:rPr>
+              <a:t>()</a:t>
+            </a:r>
+            <a:br>
+              <a:rPr lang="en-US" sz="1600">
+                <a:latin typeface="Menlo" charset="0"/>
+                <a:ea typeface="Menlo" charset="0"/>
+                <a:cs typeface="Menlo" charset="0"/>
+              </a:rPr>
+            </a:br>
+            <a:r>
+              <a:rPr lang="en-US" sz="1600">
+                <a:latin typeface="Menlo" charset="0"/>
+                <a:ea typeface="Menlo" charset="0"/>
+                <a:cs typeface="Menlo" charset="0"/>
+              </a:rPr>
+              <a:t/>
+            </a:r>
+            <a:br>
+              <a:rPr lang="en-US" sz="1600">
+                <a:latin typeface="Menlo" charset="0"/>
+                <a:ea typeface="Menlo" charset="0"/>
+                <a:cs typeface="Menlo" charset="0"/>
+              </a:rPr>
+            </a:br>
+            <a:r>
+              <a:rPr lang="en-US" sz="1600">
+                <a:latin typeface="Menlo" charset="0"/>
+                <a:ea typeface="Menlo" charset="0"/>
+                <a:cs typeface="Menlo" charset="0"/>
+              </a:rPr>
+              <a:t>    </a:t>
+            </a:r>
+            <a:r>
+              <a:rPr lang="en-US" sz="1600" err="1">
+                <a:solidFill>
+                  <a:srgbClr val="CC7832"/>
+                </a:solidFill>
+                <a:latin typeface="Menlo" charset="0"/>
+                <a:ea typeface="Menlo" charset="0"/>
+                <a:cs typeface="Menlo" charset="0"/>
+              </a:rPr>
+              <a:t>def</a:t>
+            </a:r>
+            <a:r>
+              <a:rPr lang="en-US" sz="1600">
+                <a:solidFill>
+                  <a:srgbClr val="CC7832"/>
+                </a:solidFill>
+                <a:latin typeface="Menlo" charset="0"/>
+                <a:ea typeface="Menlo" charset="0"/>
+                <a:cs typeface="Menlo" charset="0"/>
+              </a:rPr>
+              <a:t> </a:t>
+            </a:r>
+            <a:r>
+              <a:rPr lang="en-US" sz="1600" err="1">
+                <a:solidFill>
+                  <a:srgbClr val="FFC66D"/>
+                </a:solidFill>
+                <a:latin typeface="Menlo" charset="0"/>
+                <a:ea typeface="Menlo" charset="0"/>
+                <a:cs typeface="Menlo" charset="0"/>
+              </a:rPr>
+              <a:t>politics_choices</a:t>
+            </a:r>
+            <a:r>
+              <a:rPr lang="en-US" sz="1600">
+                <a:latin typeface="Menlo" charset="0"/>
+                <a:ea typeface="Menlo" charset="0"/>
+                <a:cs typeface="Menlo" charset="0"/>
+              </a:rPr>
+              <a:t>(</a:t>
+            </a:r>
+            <a:r>
+              <a:rPr lang="en-US" sz="1600">
+                <a:solidFill>
+                  <a:srgbClr val="94558D"/>
+                </a:solidFill>
+                <a:latin typeface="Menlo" charset="0"/>
+                <a:ea typeface="Menlo" charset="0"/>
+                <a:cs typeface="Menlo" charset="0"/>
+              </a:rPr>
+              <a:t>self</a:t>
+            </a:r>
+            <a:r>
+              <a:rPr lang="en-US" sz="1600">
+                <a:latin typeface="Menlo" charset="0"/>
+                <a:ea typeface="Menlo" charset="0"/>
+                <a:cs typeface="Menlo" charset="0"/>
+              </a:rPr>
+              <a:t>):</a:t>
+            </a:r>
+            <a:br>
+              <a:rPr lang="en-US" sz="1600">
+                <a:latin typeface="Menlo" charset="0"/>
+                <a:ea typeface="Menlo" charset="0"/>
+                <a:cs typeface="Menlo" charset="0"/>
+              </a:rPr>
+            </a:br>
+            <a:r>
+              <a:rPr lang="en-US" sz="1600">
+                <a:latin typeface="Menlo" charset="0"/>
+                <a:ea typeface="Menlo" charset="0"/>
+                <a:cs typeface="Menlo" charset="0"/>
+              </a:rPr>
+              <a:t>        </a:t>
+            </a:r>
+            <a:r>
+              <a:rPr lang="en-US" sz="1600">
+                <a:solidFill>
+                  <a:srgbClr val="CC7832"/>
+                </a:solidFill>
+                <a:latin typeface="Menlo" charset="0"/>
+                <a:ea typeface="Menlo" charset="0"/>
+                <a:cs typeface="Menlo" charset="0"/>
+              </a:rPr>
+              <a:t>return </a:t>
+            </a:r>
+            <a:r>
+              <a:rPr lang="en-US" sz="1600" err="1">
+                <a:solidFill>
+                  <a:srgbClr val="94558D"/>
+                </a:solidFill>
+                <a:latin typeface="Menlo" charset="0"/>
+                <a:ea typeface="Menlo" charset="0"/>
+                <a:cs typeface="Menlo" charset="0"/>
+              </a:rPr>
+              <a:t>self</a:t>
+            </a:r>
+            <a:r>
+              <a:rPr lang="en-US" sz="1600" err="1">
+                <a:latin typeface="Menlo" charset="0"/>
+                <a:ea typeface="Menlo" charset="0"/>
+                <a:cs typeface="Menlo" charset="0"/>
+              </a:rPr>
+              <a:t>.participant.vars</a:t>
+            </a:r>
+            <a:r>
+              <a:rPr lang="en-US" sz="1600">
+                <a:latin typeface="Menlo" charset="0"/>
+                <a:ea typeface="Menlo" charset="0"/>
+                <a:cs typeface="Menlo" charset="0"/>
+              </a:rPr>
+              <a:t>[</a:t>
+            </a:r>
+            <a:r>
+              <a:rPr lang="en-US" sz="1600">
+                <a:solidFill>
+                  <a:srgbClr val="6A8759"/>
+                </a:solidFill>
+                <a:latin typeface="Menlo" charset="0"/>
+                <a:ea typeface="Menlo" charset="0"/>
+                <a:cs typeface="Menlo" charset="0"/>
+              </a:rPr>
+              <a:t>'</a:t>
+            </a:r>
+            <a:r>
+              <a:rPr lang="en-US" sz="1600" err="1">
+                <a:solidFill>
+                  <a:srgbClr val="6A8759"/>
+                </a:solidFill>
+                <a:latin typeface="Menlo" charset="0"/>
+                <a:ea typeface="Menlo" charset="0"/>
+                <a:cs typeface="Menlo" charset="0"/>
+              </a:rPr>
+              <a:t>politics_choices</a:t>
+            </a:r>
+            <a:r>
+              <a:rPr lang="en-US" sz="1600">
+                <a:solidFill>
+                  <a:srgbClr val="6A8759"/>
+                </a:solidFill>
+                <a:latin typeface="Menlo" charset="0"/>
+                <a:ea typeface="Menlo" charset="0"/>
+                <a:cs typeface="Menlo" charset="0"/>
+              </a:rPr>
+              <a:t>'</a:t>
+            </a:r>
+            <a:r>
+              <a:rPr lang="en-US" sz="1600">
+                <a:latin typeface="Menlo" charset="0"/>
+                <a:ea typeface="Menlo" charset="0"/>
+                <a:cs typeface="Menlo" charset="0"/>
+              </a:rPr>
+              <a:t>]</a:t>
+            </a:r>
+            <a:br>
+              <a:rPr lang="en-US" sz="1600">
+                <a:latin typeface="Menlo" charset="0"/>
+                <a:ea typeface="Menlo" charset="0"/>
+                <a:cs typeface="Menlo" charset="0"/>
+              </a:rPr>
+            </a:br>
+            <a:endParaRPr lang="en-US" sz="1600">
+              <a:latin typeface="Menlo" charset="0"/>
+              <a:ea typeface="Menlo" charset="0"/>
+              <a:cs typeface="Menlo" charset="0"/>
+            </a:endParaRPr>
           </a:p>
         </p:txBody>
       </p:sp>
@@ -4386,6 +5433,13 @@
   <p:clrMapOvr>
     <a:masterClrMapping/>
   </p:clrMapOvr>
+  <p:timing>
+    <p:tnLst>
+      <p:par>
+        <p:cTn id="1" dur="indefinite" restart="never" nodeType="tmRoot"/>
+      </p:par>
+    </p:tnLst>
+  </p:timing>
 </p:sld>
 </file>
 
@@ -4422,42 +5476,350 @@
           <a:lstStyle/>
           <a:p>
             <a:r>
-              <a:rPr lang="en-US" dirty="0" err="1" smtClean="0"/>
-              <a:t>get_FOO_display</a:t>
-            </a:r>
-            <a:endParaRPr lang="en-US" dirty="0"/>
-          </a:p>
-        </p:txBody>
-      </p:sp>
-      <p:sp>
-        <p:nvSpPr>
-          <p:cNvPr id="3" name="Content Placeholder 2"/>
-          <p:cNvSpPr>
-            <a:spLocks noGrp="1"/>
-          </p:cNvSpPr>
-          <p:nvPr>
-            <p:ph idx="1"/>
-          </p:nvPr>
-        </p:nvSpPr>
-        <p:spPr/>
-        <p:txBody>
-          <a:bodyPr/>
+              <a:rPr lang="en-US" smtClean="0"/>
+              <a:t>Dynamic fields set. Q app</a:t>
+            </a:r>
+            <a:endParaRPr lang="en-US"/>
+          </a:p>
+        </p:txBody>
+      </p:sp>
+      <p:sp>
+        <p:nvSpPr>
+          <p:cNvPr id="5" name="Rectangle 4"/>
+          <p:cNvSpPr/>
+          <p:nvPr/>
+        </p:nvSpPr>
+        <p:spPr>
+          <a:xfrm>
+            <a:off x="3048000" y="2274838"/>
+            <a:ext cx="7753350" cy="2308324"/>
+          </a:xfrm>
+          <a:prstGeom prst="rect">
+            <a:avLst/>
+          </a:prstGeom>
+        </p:spPr>
+        <p:txBody>
+          <a:bodyPr wrap="square">
+            <a:spAutoFit/>
+          </a:bodyPr>
           <a:lstStyle/>
           <a:p>
-            <a:endParaRPr lang="en-US"/>
+            <a:r>
+              <a:rPr lang="en-US">
+                <a:solidFill>
+                  <a:srgbClr val="CC7832"/>
+                </a:solidFill>
+                <a:latin typeface="Menlo" charset="0"/>
+                <a:ea typeface="Menlo" charset="0"/>
+                <a:cs typeface="Menlo" charset="0"/>
+              </a:rPr>
+              <a:t>class </a:t>
+            </a:r>
+            <a:r>
+              <a:rPr lang="en-US">
+                <a:latin typeface="Menlo" charset="0"/>
+                <a:ea typeface="Menlo" charset="0"/>
+                <a:cs typeface="Menlo" charset="0"/>
+              </a:rPr>
+              <a:t>Q(Page):</a:t>
+            </a:r>
+            <a:br>
+              <a:rPr lang="en-US">
+                <a:latin typeface="Menlo" charset="0"/>
+                <a:ea typeface="Menlo" charset="0"/>
+                <a:cs typeface="Menlo" charset="0"/>
+              </a:rPr>
+            </a:br>
+            <a:r>
+              <a:rPr lang="en-US">
+                <a:latin typeface="Menlo" charset="0"/>
+                <a:ea typeface="Menlo" charset="0"/>
+                <a:cs typeface="Menlo" charset="0"/>
+              </a:rPr>
+              <a:t>    </a:t>
+            </a:r>
+            <a:r>
+              <a:rPr lang="en-US" err="1">
+                <a:latin typeface="Menlo" charset="0"/>
+                <a:ea typeface="Menlo" charset="0"/>
+                <a:cs typeface="Menlo" charset="0"/>
+              </a:rPr>
+              <a:t>form_model</a:t>
+            </a:r>
+            <a:r>
+              <a:rPr lang="en-US">
+                <a:latin typeface="Menlo" charset="0"/>
+                <a:ea typeface="Menlo" charset="0"/>
+                <a:cs typeface="Menlo" charset="0"/>
+              </a:rPr>
+              <a:t> = </a:t>
+            </a:r>
+            <a:r>
+              <a:rPr lang="en-US">
+                <a:solidFill>
+                  <a:srgbClr val="6A8759"/>
+                </a:solidFill>
+                <a:latin typeface="Menlo" charset="0"/>
+                <a:ea typeface="Menlo" charset="0"/>
+                <a:cs typeface="Menlo" charset="0"/>
+              </a:rPr>
+              <a:t>'player'</a:t>
+            </a:r>
+            <a:br>
+              <a:rPr lang="en-US">
+                <a:solidFill>
+                  <a:srgbClr val="6A8759"/>
+                </a:solidFill>
+                <a:latin typeface="Menlo" charset="0"/>
+                <a:ea typeface="Menlo" charset="0"/>
+                <a:cs typeface="Menlo" charset="0"/>
+              </a:rPr>
+            </a:br>
+            <a:r>
+              <a:rPr lang="en-US">
+                <a:solidFill>
+                  <a:srgbClr val="6A8759"/>
+                </a:solidFill>
+                <a:latin typeface="Menlo" charset="0"/>
+                <a:ea typeface="Menlo" charset="0"/>
+                <a:cs typeface="Menlo" charset="0"/>
+              </a:rPr>
+              <a:t/>
+            </a:r>
+            <a:br>
+              <a:rPr lang="en-US">
+                <a:solidFill>
+                  <a:srgbClr val="6A8759"/>
+                </a:solidFill>
+                <a:latin typeface="Menlo" charset="0"/>
+                <a:ea typeface="Menlo" charset="0"/>
+                <a:cs typeface="Menlo" charset="0"/>
+              </a:rPr>
+            </a:br>
+            <a:r>
+              <a:rPr lang="en-US">
+                <a:solidFill>
+                  <a:srgbClr val="6A8759"/>
+                </a:solidFill>
+                <a:latin typeface="Menlo" charset="0"/>
+                <a:ea typeface="Menlo" charset="0"/>
+                <a:cs typeface="Menlo" charset="0"/>
+              </a:rPr>
+              <a:t>    </a:t>
+            </a:r>
+            <a:r>
+              <a:rPr lang="en-US" err="1">
+                <a:solidFill>
+                  <a:srgbClr val="CC7832"/>
+                </a:solidFill>
+                <a:latin typeface="Menlo" charset="0"/>
+                <a:ea typeface="Menlo" charset="0"/>
+                <a:cs typeface="Menlo" charset="0"/>
+              </a:rPr>
+              <a:t>def</a:t>
+            </a:r>
+            <a:r>
+              <a:rPr lang="en-US">
+                <a:solidFill>
+                  <a:srgbClr val="CC7832"/>
+                </a:solidFill>
+                <a:latin typeface="Menlo" charset="0"/>
+                <a:ea typeface="Menlo" charset="0"/>
+                <a:cs typeface="Menlo" charset="0"/>
+              </a:rPr>
+              <a:t> </a:t>
+            </a:r>
+            <a:r>
+              <a:rPr lang="en-US" err="1">
+                <a:solidFill>
+                  <a:srgbClr val="FFC66D"/>
+                </a:solidFill>
+                <a:latin typeface="Menlo" charset="0"/>
+                <a:ea typeface="Menlo" charset="0"/>
+                <a:cs typeface="Menlo" charset="0"/>
+              </a:rPr>
+              <a:t>get_form_fields</a:t>
+            </a:r>
+            <a:r>
+              <a:rPr lang="en-US">
+                <a:latin typeface="Menlo" charset="0"/>
+                <a:ea typeface="Menlo" charset="0"/>
+                <a:cs typeface="Menlo" charset="0"/>
+              </a:rPr>
+              <a:t>(</a:t>
+            </a:r>
+            <a:r>
+              <a:rPr lang="en-US">
+                <a:solidFill>
+                  <a:srgbClr val="94558D"/>
+                </a:solidFill>
+                <a:latin typeface="Menlo" charset="0"/>
+                <a:ea typeface="Menlo" charset="0"/>
+                <a:cs typeface="Menlo" charset="0"/>
+              </a:rPr>
+              <a:t>self</a:t>
+            </a:r>
+            <a:r>
+              <a:rPr lang="en-US">
+                <a:latin typeface="Menlo" charset="0"/>
+                <a:ea typeface="Menlo" charset="0"/>
+                <a:cs typeface="Menlo" charset="0"/>
+              </a:rPr>
+              <a:t>):</a:t>
+            </a:r>
+            <a:br>
+              <a:rPr lang="en-US">
+                <a:latin typeface="Menlo" charset="0"/>
+                <a:ea typeface="Menlo" charset="0"/>
+                <a:cs typeface="Menlo" charset="0"/>
+              </a:rPr>
+            </a:br>
+            <a:r>
+              <a:rPr lang="en-US">
+                <a:latin typeface="Menlo" charset="0"/>
+                <a:ea typeface="Menlo" charset="0"/>
+                <a:cs typeface="Menlo" charset="0"/>
+              </a:rPr>
+              <a:t>        fields = [</a:t>
+            </a:r>
+            <a:r>
+              <a:rPr lang="en-US">
+                <a:solidFill>
+                  <a:srgbClr val="6A8759"/>
+                </a:solidFill>
+                <a:latin typeface="Menlo" charset="0"/>
+                <a:ea typeface="Menlo" charset="0"/>
+                <a:cs typeface="Menlo" charset="0"/>
+              </a:rPr>
+              <a:t>'gender'</a:t>
+            </a:r>
+            <a:r>
+              <a:rPr lang="en-US">
+                <a:solidFill>
+                  <a:srgbClr val="CC7832"/>
+                </a:solidFill>
+                <a:latin typeface="Menlo" charset="0"/>
+                <a:ea typeface="Menlo" charset="0"/>
+                <a:cs typeface="Menlo" charset="0"/>
+              </a:rPr>
+              <a:t>, </a:t>
+            </a:r>
+            <a:r>
+              <a:rPr lang="en-US">
+                <a:solidFill>
+                  <a:srgbClr val="6A8759"/>
+                </a:solidFill>
+                <a:latin typeface="Menlo" charset="0"/>
+                <a:ea typeface="Menlo" charset="0"/>
+                <a:cs typeface="Menlo" charset="0"/>
+              </a:rPr>
+              <a:t>'politics'</a:t>
+            </a:r>
+            <a:r>
+              <a:rPr lang="en-US">
+                <a:latin typeface="Menlo" charset="0"/>
+                <a:ea typeface="Menlo" charset="0"/>
+                <a:cs typeface="Menlo" charset="0"/>
+              </a:rPr>
+              <a:t>]</a:t>
+            </a:r>
+            <a:br>
+              <a:rPr lang="en-US">
+                <a:latin typeface="Menlo" charset="0"/>
+                <a:ea typeface="Menlo" charset="0"/>
+                <a:cs typeface="Menlo" charset="0"/>
+              </a:rPr>
+            </a:br>
+            <a:r>
+              <a:rPr lang="en-US">
+                <a:latin typeface="Menlo" charset="0"/>
+                <a:ea typeface="Menlo" charset="0"/>
+                <a:cs typeface="Menlo" charset="0"/>
+              </a:rPr>
+              <a:t>        </a:t>
+            </a:r>
+            <a:r>
+              <a:rPr lang="en-US" err="1">
+                <a:latin typeface="Menlo" charset="0"/>
+                <a:ea typeface="Menlo" charset="0"/>
+                <a:cs typeface="Menlo" charset="0"/>
+              </a:rPr>
+              <a:t>random.shuffle</a:t>
+            </a:r>
+            <a:r>
+              <a:rPr lang="en-US">
+                <a:latin typeface="Menlo" charset="0"/>
+                <a:ea typeface="Menlo" charset="0"/>
+                <a:cs typeface="Menlo" charset="0"/>
+              </a:rPr>
+              <a:t>(fields)</a:t>
+            </a:r>
+            <a:br>
+              <a:rPr lang="en-US">
+                <a:latin typeface="Menlo" charset="0"/>
+                <a:ea typeface="Menlo" charset="0"/>
+                <a:cs typeface="Menlo" charset="0"/>
+              </a:rPr>
+            </a:br>
+            <a:r>
+              <a:rPr lang="en-US">
+                <a:latin typeface="Menlo" charset="0"/>
+                <a:ea typeface="Menlo" charset="0"/>
+                <a:cs typeface="Menlo" charset="0"/>
+              </a:rPr>
+              <a:t>        </a:t>
+            </a:r>
+            <a:r>
+              <a:rPr lang="en-US">
+                <a:solidFill>
+                  <a:srgbClr val="CC7832"/>
+                </a:solidFill>
+                <a:latin typeface="Menlo" charset="0"/>
+                <a:ea typeface="Menlo" charset="0"/>
+                <a:cs typeface="Menlo" charset="0"/>
+              </a:rPr>
+              <a:t>return </a:t>
+            </a:r>
+            <a:r>
+              <a:rPr lang="en-US">
+                <a:latin typeface="Menlo" charset="0"/>
+                <a:ea typeface="Menlo" charset="0"/>
+                <a:cs typeface="Menlo" charset="0"/>
+              </a:rPr>
+              <a:t>fields</a:t>
+            </a:r>
+            <a:br>
+              <a:rPr lang="en-US">
+                <a:latin typeface="Menlo" charset="0"/>
+                <a:ea typeface="Menlo" charset="0"/>
+                <a:cs typeface="Menlo" charset="0"/>
+              </a:rPr>
+            </a:br>
+            <a:endParaRPr lang="en-US">
+              <a:latin typeface="Menlo" charset="0"/>
+              <a:ea typeface="Menlo" charset="0"/>
+              <a:cs typeface="Menlo" charset="0"/>
+            </a:endParaRPr>
           </a:p>
         </p:txBody>
       </p:sp>
     </p:spTree>
     <p:extLst>
       <p:ext uri="{BB962C8B-B14F-4D97-AF65-F5344CB8AC3E}">
-        <p14:creationId xmlns:p14="http://schemas.microsoft.com/office/powerpoint/2010/main" val="1946971626"/>
+        <p14:creationId xmlns:p14="http://schemas.microsoft.com/office/powerpoint/2010/main" val="67366331"/>
       </p:ext>
     </p:extLst>
   </p:cSld>
   <p:clrMapOvr>
     <a:masterClrMapping/>
   </p:clrMapOvr>
+  <p:timing>
+    <p:tnLst>
+      <p:par>
+        <p:cTn id="1" dur="indefinite" restart="never" nodeType="tmRoot"/>
+      </p:par>
+    </p:tnLst>
+  </p:timing>
 </p:sld>
 </file>
 
@@ -4494,42 +5856,351 @@
           <a:lstStyle/>
           <a:p>
             <a:r>
-              <a:rPr lang="en-US" dirty="0" smtClean="0"/>
-              <a:t>Chaining several apps</a:t>
-            </a:r>
-            <a:endParaRPr lang="en-US" dirty="0"/>
-          </a:p>
-        </p:txBody>
-      </p:sp>
-      <p:sp>
-        <p:nvSpPr>
-          <p:cNvPr id="3" name="Content Placeholder 2"/>
-          <p:cNvSpPr>
-            <a:spLocks noGrp="1"/>
-          </p:cNvSpPr>
-          <p:nvPr>
-            <p:ph idx="1"/>
-          </p:nvPr>
-        </p:nvSpPr>
-        <p:spPr/>
-        <p:txBody>
-          <a:bodyPr/>
+              <a:rPr lang="en-US" err="1" smtClean="0"/>
+              <a:t>get_FOO_display</a:t>
+            </a:r>
+            <a:endParaRPr lang="en-US"/>
+          </a:p>
+        </p:txBody>
+      </p:sp>
+      <p:sp>
+        <p:nvSpPr>
+          <p:cNvPr id="4" name="Rectangle 3"/>
+          <p:cNvSpPr/>
+          <p:nvPr/>
+        </p:nvSpPr>
+        <p:spPr>
+          <a:xfrm>
+            <a:off x="666750" y="3024990"/>
+            <a:ext cx="13277850" cy="1754326"/>
+          </a:xfrm>
+          <a:prstGeom prst="rect">
+            <a:avLst/>
+          </a:prstGeom>
+        </p:spPr>
+        <p:txBody>
+          <a:bodyPr wrap="square">
+            <a:spAutoFit/>
+          </a:bodyPr>
           <a:lstStyle/>
           <a:p>
-            <a:endParaRPr lang="en-US"/>
+            <a:r>
+              <a:rPr lang="en-US" dirty="0">
+                <a:solidFill>
+                  <a:srgbClr val="CC7832"/>
+                </a:solidFill>
+                <a:latin typeface="Menlo" charset="0"/>
+                <a:ea typeface="Menlo" charset="0"/>
+                <a:cs typeface="Menlo" charset="0"/>
+              </a:rPr>
+              <a:t>class </a:t>
+            </a:r>
+            <a:r>
+              <a:rPr lang="en-US" dirty="0">
+                <a:latin typeface="Menlo" charset="0"/>
+                <a:ea typeface="Menlo" charset="0"/>
+                <a:cs typeface="Menlo" charset="0"/>
+              </a:rPr>
+              <a:t>Q(Page):</a:t>
+            </a:r>
+            <a:br>
+              <a:rPr lang="en-US" dirty="0">
+                <a:latin typeface="Menlo" charset="0"/>
+                <a:ea typeface="Menlo" charset="0"/>
+                <a:cs typeface="Menlo" charset="0"/>
+              </a:rPr>
+            </a:br>
+            <a:r>
+              <a:rPr lang="en-US" dirty="0">
+                <a:latin typeface="Menlo" charset="0"/>
+                <a:ea typeface="Menlo" charset="0"/>
+                <a:cs typeface="Menlo" charset="0"/>
+              </a:rPr>
+              <a:t>    </a:t>
+            </a:r>
+            <a:br>
+              <a:rPr lang="en-US" dirty="0">
+                <a:latin typeface="Menlo" charset="0"/>
+                <a:ea typeface="Menlo" charset="0"/>
+                <a:cs typeface="Menlo" charset="0"/>
+              </a:rPr>
+            </a:br>
+            <a:r>
+              <a:rPr lang="en-US" dirty="0">
+                <a:latin typeface="Menlo" charset="0"/>
+                <a:ea typeface="Menlo" charset="0"/>
+                <a:cs typeface="Menlo" charset="0"/>
+              </a:rPr>
+              <a:t>    </a:t>
+            </a:r>
+            <a:r>
+              <a:rPr lang="en-US" dirty="0" err="1">
+                <a:solidFill>
+                  <a:srgbClr val="CC7832"/>
+                </a:solidFill>
+                <a:latin typeface="Menlo" charset="0"/>
+                <a:ea typeface="Menlo" charset="0"/>
+                <a:cs typeface="Menlo" charset="0"/>
+              </a:rPr>
+              <a:t>def</a:t>
+            </a:r>
+            <a:r>
+              <a:rPr lang="en-US" dirty="0">
+                <a:solidFill>
+                  <a:srgbClr val="CC7832"/>
+                </a:solidFill>
+                <a:latin typeface="Menlo" charset="0"/>
+                <a:ea typeface="Menlo" charset="0"/>
+                <a:cs typeface="Menlo" charset="0"/>
+              </a:rPr>
+              <a:t> </a:t>
+            </a:r>
+            <a:r>
+              <a:rPr lang="en-US" dirty="0" err="1">
+                <a:solidFill>
+                  <a:srgbClr val="FFC66D"/>
+                </a:solidFill>
+                <a:latin typeface="Menlo" charset="0"/>
+                <a:ea typeface="Menlo" charset="0"/>
+                <a:cs typeface="Menlo" charset="0"/>
+              </a:rPr>
+              <a:t>before_next_page</a:t>
+            </a:r>
+            <a:r>
+              <a:rPr lang="en-US" dirty="0">
+                <a:latin typeface="Menlo" charset="0"/>
+                <a:ea typeface="Menlo" charset="0"/>
+                <a:cs typeface="Menlo" charset="0"/>
+              </a:rPr>
+              <a:t>(</a:t>
+            </a:r>
+            <a:r>
+              <a:rPr lang="en-US" dirty="0">
+                <a:solidFill>
+                  <a:srgbClr val="94558D"/>
+                </a:solidFill>
+                <a:latin typeface="Menlo" charset="0"/>
+                <a:ea typeface="Menlo" charset="0"/>
+                <a:cs typeface="Menlo" charset="0"/>
+              </a:rPr>
+              <a:t>self</a:t>
+            </a:r>
+            <a:r>
+              <a:rPr lang="en-US" dirty="0">
+                <a:latin typeface="Menlo" charset="0"/>
+                <a:ea typeface="Menlo" charset="0"/>
+                <a:cs typeface="Menlo" charset="0"/>
+              </a:rPr>
+              <a:t>):</a:t>
+            </a:r>
+            <a:br>
+              <a:rPr lang="en-US" dirty="0">
+                <a:latin typeface="Menlo" charset="0"/>
+                <a:ea typeface="Menlo" charset="0"/>
+                <a:cs typeface="Menlo" charset="0"/>
+              </a:rPr>
+            </a:br>
+            <a:r>
+              <a:rPr lang="en-US" dirty="0">
+                <a:latin typeface="Menlo" charset="0"/>
+                <a:ea typeface="Menlo" charset="0"/>
+                <a:cs typeface="Menlo" charset="0"/>
+              </a:rPr>
+              <a:t>        </a:t>
+            </a:r>
+            <a:r>
+              <a:rPr lang="en-US" dirty="0" err="1">
+                <a:solidFill>
+                  <a:srgbClr val="94558D"/>
+                </a:solidFill>
+                <a:latin typeface="Menlo" charset="0"/>
+                <a:ea typeface="Menlo" charset="0"/>
+                <a:cs typeface="Menlo" charset="0"/>
+              </a:rPr>
+              <a:t>self</a:t>
+            </a:r>
+            <a:r>
+              <a:rPr lang="en-US" dirty="0" err="1">
+                <a:latin typeface="Menlo" charset="0"/>
+                <a:ea typeface="Menlo" charset="0"/>
+                <a:cs typeface="Menlo" charset="0"/>
+              </a:rPr>
+              <a:t>.participant.vars</a:t>
+            </a:r>
+            <a:r>
+              <a:rPr lang="en-US" dirty="0">
+                <a:latin typeface="Menlo" charset="0"/>
+                <a:ea typeface="Menlo" charset="0"/>
+                <a:cs typeface="Menlo" charset="0"/>
+              </a:rPr>
+              <a:t>[</a:t>
+            </a:r>
+            <a:r>
+              <a:rPr lang="en-US" dirty="0">
+                <a:solidFill>
+                  <a:srgbClr val="6A8759"/>
+                </a:solidFill>
+                <a:latin typeface="Menlo" charset="0"/>
+                <a:ea typeface="Menlo" charset="0"/>
+                <a:cs typeface="Menlo" charset="0"/>
+              </a:rPr>
+              <a:t>'gender'</a:t>
+            </a:r>
+            <a:r>
+              <a:rPr lang="en-US" dirty="0">
+                <a:latin typeface="Menlo" charset="0"/>
+                <a:ea typeface="Menlo" charset="0"/>
+                <a:cs typeface="Menlo" charset="0"/>
+              </a:rPr>
+              <a:t>] = </a:t>
+            </a:r>
+            <a:r>
+              <a:rPr lang="en-US" dirty="0" err="1">
+                <a:solidFill>
+                  <a:srgbClr val="94558D"/>
+                </a:solidFill>
+                <a:latin typeface="Menlo" charset="0"/>
+                <a:ea typeface="Menlo" charset="0"/>
+                <a:cs typeface="Menlo" charset="0"/>
+              </a:rPr>
+              <a:t>self</a:t>
+            </a:r>
+            <a:r>
+              <a:rPr lang="en-US" dirty="0" err="1">
+                <a:latin typeface="Menlo" charset="0"/>
+                <a:ea typeface="Menlo" charset="0"/>
+                <a:cs typeface="Menlo" charset="0"/>
+              </a:rPr>
+              <a:t>.player.get_gender_display</a:t>
+            </a:r>
+            <a:r>
+              <a:rPr lang="en-US" dirty="0">
+                <a:latin typeface="Menlo" charset="0"/>
+                <a:ea typeface="Menlo" charset="0"/>
+                <a:cs typeface="Menlo" charset="0"/>
+              </a:rPr>
+              <a:t>()</a:t>
+            </a:r>
+            <a:br>
+              <a:rPr lang="en-US" dirty="0">
+                <a:latin typeface="Menlo" charset="0"/>
+                <a:ea typeface="Menlo" charset="0"/>
+                <a:cs typeface="Menlo" charset="0"/>
+              </a:rPr>
+            </a:br>
+            <a:r>
+              <a:rPr lang="en-US" dirty="0">
+                <a:latin typeface="Menlo" charset="0"/>
+                <a:ea typeface="Menlo" charset="0"/>
+                <a:cs typeface="Menlo" charset="0"/>
+              </a:rPr>
+              <a:t>        </a:t>
+            </a:r>
+            <a:r>
+              <a:rPr lang="en-US" dirty="0" err="1">
+                <a:solidFill>
+                  <a:srgbClr val="94558D"/>
+                </a:solidFill>
+                <a:latin typeface="Menlo" charset="0"/>
+                <a:ea typeface="Menlo" charset="0"/>
+                <a:cs typeface="Menlo" charset="0"/>
+              </a:rPr>
+              <a:t>self</a:t>
+            </a:r>
+            <a:r>
+              <a:rPr lang="en-US" dirty="0" err="1">
+                <a:latin typeface="Menlo" charset="0"/>
+                <a:ea typeface="Menlo" charset="0"/>
+                <a:cs typeface="Menlo" charset="0"/>
+              </a:rPr>
+              <a:t>.participant.vars</a:t>
+            </a:r>
+            <a:r>
+              <a:rPr lang="en-US" dirty="0">
+                <a:latin typeface="Menlo" charset="0"/>
+                <a:ea typeface="Menlo" charset="0"/>
+                <a:cs typeface="Menlo" charset="0"/>
+              </a:rPr>
+              <a:t>[</a:t>
+            </a:r>
+            <a:r>
+              <a:rPr lang="en-US" dirty="0">
+                <a:solidFill>
+                  <a:srgbClr val="6A8759"/>
+                </a:solidFill>
+                <a:latin typeface="Menlo" charset="0"/>
+                <a:ea typeface="Menlo" charset="0"/>
+                <a:cs typeface="Menlo" charset="0"/>
+              </a:rPr>
+              <a:t>'politics'</a:t>
+            </a:r>
+            <a:r>
+              <a:rPr lang="en-US" dirty="0">
+                <a:latin typeface="Menlo" charset="0"/>
+                <a:ea typeface="Menlo" charset="0"/>
+                <a:cs typeface="Menlo" charset="0"/>
+              </a:rPr>
+              <a:t>] = </a:t>
+            </a:r>
+            <a:r>
+              <a:rPr lang="en-US" dirty="0" err="1">
+                <a:solidFill>
+                  <a:srgbClr val="94558D"/>
+                </a:solidFill>
+                <a:latin typeface="Menlo" charset="0"/>
+                <a:ea typeface="Menlo" charset="0"/>
+                <a:cs typeface="Menlo" charset="0"/>
+              </a:rPr>
+              <a:t>self</a:t>
+            </a:r>
+            <a:r>
+              <a:rPr lang="en-US" dirty="0" err="1">
+                <a:latin typeface="Menlo" charset="0"/>
+                <a:ea typeface="Menlo" charset="0"/>
+                <a:cs typeface="Menlo" charset="0"/>
+              </a:rPr>
+              <a:t>.player.get_politics_display</a:t>
+            </a:r>
+            <a:r>
+              <a:rPr lang="en-US" dirty="0">
+                <a:latin typeface="Menlo" charset="0"/>
+                <a:ea typeface="Menlo" charset="0"/>
+                <a:cs typeface="Menlo" charset="0"/>
+              </a:rPr>
+              <a:t>()</a:t>
+            </a:r>
+            <a:br>
+              <a:rPr lang="en-US" dirty="0">
+                <a:latin typeface="Menlo" charset="0"/>
+                <a:ea typeface="Menlo" charset="0"/>
+                <a:cs typeface="Menlo" charset="0"/>
+              </a:rPr>
+            </a:br>
+            <a:endParaRPr lang="en-US" dirty="0">
+              <a:latin typeface="Menlo" charset="0"/>
+              <a:ea typeface="Menlo" charset="0"/>
+              <a:cs typeface="Menlo" charset="0"/>
+            </a:endParaRPr>
           </a:p>
         </p:txBody>
       </p:sp>
     </p:spTree>
     <p:extLst>
       <p:ext uri="{BB962C8B-B14F-4D97-AF65-F5344CB8AC3E}">
-        <p14:creationId xmlns:p14="http://schemas.microsoft.com/office/powerpoint/2010/main" val="474437353"/>
+        <p14:creationId xmlns:p14="http://schemas.microsoft.com/office/powerpoint/2010/main" val="1946971626"/>
       </p:ext>
     </p:extLst>
   </p:cSld>
   <p:clrMapOvr>
     <a:masterClrMapping/>
   </p:clrMapOvr>
+  <p:timing>
+    <p:tnLst>
+      <p:par>
+        <p:cTn id="1" dur="indefinite" restart="never" nodeType="tmRoot"/>
+      </p:par>
+    </p:tnLst>
+  </p:timing>
 </p:sld>
 </file>
 
@@ -4566,36 +6237,618 @@
           <a:lstStyle/>
           <a:p>
             <a:r>
-              <a:rPr lang="en-US" dirty="0" smtClean="0"/>
-              <a:t>Matching</a:t>
-            </a:r>
-            <a:endParaRPr lang="en-US" dirty="0"/>
-          </a:p>
-        </p:txBody>
-      </p:sp>
-      <p:sp>
-        <p:nvSpPr>
-          <p:cNvPr id="3" name="Content Placeholder 2"/>
-          <p:cNvSpPr>
-            <a:spLocks noGrp="1"/>
-          </p:cNvSpPr>
-          <p:nvPr>
-            <p:ph idx="1"/>
-          </p:nvPr>
-        </p:nvSpPr>
-        <p:spPr/>
-        <p:txBody>
-          <a:bodyPr/>
+              <a:rPr lang="en-US" smtClean="0"/>
+              <a:t>Chaining several apps</a:t>
+            </a:r>
+            <a:endParaRPr lang="en-US"/>
+          </a:p>
+        </p:txBody>
+      </p:sp>
+      <p:sp>
+        <p:nvSpPr>
+          <p:cNvPr id="4" name="Rectangle 3"/>
+          <p:cNvSpPr/>
+          <p:nvPr/>
+        </p:nvSpPr>
+        <p:spPr>
+          <a:xfrm>
+            <a:off x="3048000" y="2136339"/>
+            <a:ext cx="6096000" cy="2585323"/>
+          </a:xfrm>
+          <a:prstGeom prst="rect">
+            <a:avLst/>
+          </a:prstGeom>
+        </p:spPr>
+        <p:txBody>
+          <a:bodyPr>
+            <a:spAutoFit/>
+          </a:bodyPr>
           <a:lstStyle/>
           <a:p>
-            <a:endParaRPr lang="en-US"/>
+            <a:r>
+              <a:rPr lang="en-US" dirty="0">
+                <a:latin typeface="Menlo" charset="0"/>
+                <a:ea typeface="Menlo" charset="0"/>
+                <a:cs typeface="Menlo" charset="0"/>
+              </a:rPr>
+              <a:t>{</a:t>
+            </a:r>
+            <a:br>
+              <a:rPr lang="en-US" dirty="0">
+                <a:latin typeface="Menlo" charset="0"/>
+                <a:ea typeface="Menlo" charset="0"/>
+                <a:cs typeface="Menlo" charset="0"/>
+              </a:rPr>
+            </a:br>
+            <a:r>
+              <a:rPr lang="en-US" dirty="0">
+                <a:latin typeface="Menlo" charset="0"/>
+                <a:ea typeface="Menlo" charset="0"/>
+                <a:cs typeface="Menlo" charset="0"/>
+              </a:rPr>
+              <a:t>    </a:t>
+            </a:r>
+            <a:r>
+              <a:rPr lang="en-US" dirty="0">
+                <a:solidFill>
+                  <a:srgbClr val="6A8759"/>
+                </a:solidFill>
+                <a:latin typeface="Menlo" charset="0"/>
+                <a:ea typeface="Menlo" charset="0"/>
+                <a:cs typeface="Menlo" charset="0"/>
+              </a:rPr>
+              <a:t>'name'</a:t>
+            </a:r>
+            <a:r>
+              <a:rPr lang="en-US" dirty="0">
+                <a:latin typeface="Menlo" charset="0"/>
+                <a:ea typeface="Menlo" charset="0"/>
+                <a:cs typeface="Menlo" charset="0"/>
+              </a:rPr>
+              <a:t>: </a:t>
+            </a:r>
+            <a:r>
+              <a:rPr lang="en-US" dirty="0">
+                <a:solidFill>
+                  <a:srgbClr val="6A8759"/>
+                </a:solidFill>
+                <a:latin typeface="Menlo" charset="0"/>
+                <a:ea typeface="Menlo" charset="0"/>
+                <a:cs typeface="Menlo" charset="0"/>
+              </a:rPr>
+              <a:t>'</a:t>
+            </a:r>
+            <a:r>
+              <a:rPr lang="en-US" dirty="0" err="1">
+                <a:solidFill>
+                  <a:srgbClr val="6A8759"/>
+                </a:solidFill>
+                <a:latin typeface="Menlo" charset="0"/>
+                <a:ea typeface="Menlo" charset="0"/>
+                <a:cs typeface="Menlo" charset="0"/>
+              </a:rPr>
+              <a:t>pggmatch</a:t>
+            </a:r>
+            <a:r>
+              <a:rPr lang="en-US" dirty="0">
+                <a:solidFill>
+                  <a:srgbClr val="6A8759"/>
+                </a:solidFill>
+                <a:latin typeface="Menlo" charset="0"/>
+                <a:ea typeface="Menlo" charset="0"/>
+                <a:cs typeface="Menlo" charset="0"/>
+              </a:rPr>
+              <a:t>'</a:t>
+            </a:r>
+            <a:r>
+              <a:rPr lang="en-US" dirty="0">
+                <a:solidFill>
+                  <a:srgbClr val="CC7832"/>
+                </a:solidFill>
+                <a:latin typeface="Menlo" charset="0"/>
+                <a:ea typeface="Menlo" charset="0"/>
+                <a:cs typeface="Menlo" charset="0"/>
+              </a:rPr>
+              <a:t>,</a:t>
+            </a:r>
+            <a:br>
+              <a:rPr lang="en-US" dirty="0">
+                <a:solidFill>
+                  <a:srgbClr val="CC7832"/>
+                </a:solidFill>
+                <a:latin typeface="Menlo" charset="0"/>
+                <a:ea typeface="Menlo" charset="0"/>
+                <a:cs typeface="Menlo" charset="0"/>
+              </a:rPr>
+            </a:br>
+            <a:r>
+              <a:rPr lang="en-US" dirty="0">
+                <a:solidFill>
+                  <a:srgbClr val="CC7832"/>
+                </a:solidFill>
+                <a:latin typeface="Menlo" charset="0"/>
+                <a:ea typeface="Menlo" charset="0"/>
+                <a:cs typeface="Menlo" charset="0"/>
+              </a:rPr>
+              <a:t>    </a:t>
+            </a:r>
+            <a:r>
+              <a:rPr lang="en-US" dirty="0">
+                <a:solidFill>
+                  <a:srgbClr val="6A8759"/>
+                </a:solidFill>
+                <a:latin typeface="Menlo" charset="0"/>
+                <a:ea typeface="Menlo" charset="0"/>
+                <a:cs typeface="Menlo" charset="0"/>
+              </a:rPr>
+              <a:t>'</a:t>
+            </a:r>
+            <a:r>
+              <a:rPr lang="en-US" dirty="0" err="1">
+                <a:solidFill>
+                  <a:srgbClr val="6A8759"/>
+                </a:solidFill>
+                <a:latin typeface="Menlo" charset="0"/>
+                <a:ea typeface="Menlo" charset="0"/>
+                <a:cs typeface="Menlo" charset="0"/>
+              </a:rPr>
+              <a:t>display_name</a:t>
+            </a:r>
+            <a:r>
+              <a:rPr lang="en-US" dirty="0">
+                <a:solidFill>
+                  <a:srgbClr val="6A8759"/>
+                </a:solidFill>
+                <a:latin typeface="Menlo" charset="0"/>
+                <a:ea typeface="Menlo" charset="0"/>
+                <a:cs typeface="Menlo" charset="0"/>
+              </a:rPr>
+              <a:t>'</a:t>
+            </a:r>
+            <a:r>
+              <a:rPr lang="en-US" dirty="0">
+                <a:latin typeface="Menlo" charset="0"/>
+                <a:ea typeface="Menlo" charset="0"/>
+                <a:cs typeface="Menlo" charset="0"/>
+              </a:rPr>
+              <a:t>: </a:t>
+            </a:r>
+            <a:r>
+              <a:rPr lang="en-US" dirty="0">
+                <a:solidFill>
+                  <a:srgbClr val="6A8759"/>
+                </a:solidFill>
+                <a:latin typeface="Menlo" charset="0"/>
+                <a:ea typeface="Menlo" charset="0"/>
+                <a:cs typeface="Menlo" charset="0"/>
+              </a:rPr>
+              <a:t>"PGG Match"</a:t>
+            </a:r>
+            <a:r>
+              <a:rPr lang="en-US" dirty="0">
+                <a:solidFill>
+                  <a:srgbClr val="CC7832"/>
+                </a:solidFill>
+                <a:latin typeface="Menlo" charset="0"/>
+                <a:ea typeface="Menlo" charset="0"/>
+                <a:cs typeface="Menlo" charset="0"/>
+              </a:rPr>
+              <a:t>,</a:t>
+            </a:r>
+            <a:br>
+              <a:rPr lang="en-US" dirty="0">
+                <a:solidFill>
+                  <a:srgbClr val="CC7832"/>
+                </a:solidFill>
+                <a:latin typeface="Menlo" charset="0"/>
+                <a:ea typeface="Menlo" charset="0"/>
+                <a:cs typeface="Menlo" charset="0"/>
+              </a:rPr>
+            </a:br>
+            <a:r>
+              <a:rPr lang="en-US" dirty="0">
+                <a:solidFill>
+                  <a:srgbClr val="CC7832"/>
+                </a:solidFill>
+                <a:latin typeface="Menlo" charset="0"/>
+                <a:ea typeface="Menlo" charset="0"/>
+                <a:cs typeface="Menlo" charset="0"/>
+              </a:rPr>
+              <a:t>    </a:t>
+            </a:r>
+            <a:r>
+              <a:rPr lang="en-US" dirty="0">
+                <a:solidFill>
+                  <a:srgbClr val="6A8759"/>
+                </a:solidFill>
+                <a:latin typeface="Menlo" charset="0"/>
+                <a:ea typeface="Menlo" charset="0"/>
+                <a:cs typeface="Menlo" charset="0"/>
+              </a:rPr>
+              <a:t>'</a:t>
+            </a:r>
+            <a:r>
+              <a:rPr lang="en-US" dirty="0" err="1">
+                <a:solidFill>
+                  <a:srgbClr val="6A8759"/>
+                </a:solidFill>
+                <a:latin typeface="Menlo" charset="0"/>
+                <a:ea typeface="Menlo" charset="0"/>
+                <a:cs typeface="Menlo" charset="0"/>
+              </a:rPr>
+              <a:t>num_demo_participants</a:t>
+            </a:r>
+            <a:r>
+              <a:rPr lang="en-US" dirty="0">
+                <a:solidFill>
+                  <a:srgbClr val="6A8759"/>
+                </a:solidFill>
+                <a:latin typeface="Menlo" charset="0"/>
+                <a:ea typeface="Menlo" charset="0"/>
+                <a:cs typeface="Menlo" charset="0"/>
+              </a:rPr>
+              <a:t>'</a:t>
+            </a:r>
+            <a:r>
+              <a:rPr lang="en-US" dirty="0">
+                <a:latin typeface="Menlo" charset="0"/>
+                <a:ea typeface="Menlo" charset="0"/>
+                <a:cs typeface="Menlo" charset="0"/>
+              </a:rPr>
+              <a:t>: </a:t>
+            </a:r>
+            <a:r>
+              <a:rPr lang="en-US" dirty="0">
+                <a:solidFill>
+                  <a:srgbClr val="6897BB"/>
+                </a:solidFill>
+                <a:latin typeface="Menlo" charset="0"/>
+                <a:ea typeface="Menlo" charset="0"/>
+                <a:cs typeface="Menlo" charset="0"/>
+              </a:rPr>
+              <a:t>3</a:t>
+            </a:r>
+            <a:r>
+              <a:rPr lang="en-US" dirty="0">
+                <a:solidFill>
+                  <a:srgbClr val="CC7832"/>
+                </a:solidFill>
+                <a:latin typeface="Menlo" charset="0"/>
+                <a:ea typeface="Menlo" charset="0"/>
+                <a:cs typeface="Menlo" charset="0"/>
+              </a:rPr>
+              <a:t>,</a:t>
+            </a:r>
+            <a:br>
+              <a:rPr lang="en-US" dirty="0">
+                <a:solidFill>
+                  <a:srgbClr val="CC7832"/>
+                </a:solidFill>
+                <a:latin typeface="Menlo" charset="0"/>
+                <a:ea typeface="Menlo" charset="0"/>
+                <a:cs typeface="Menlo" charset="0"/>
+              </a:rPr>
+            </a:br>
+            <a:r>
+              <a:rPr lang="en-US" dirty="0">
+                <a:solidFill>
+                  <a:srgbClr val="CC7832"/>
+                </a:solidFill>
+                <a:latin typeface="Menlo" charset="0"/>
+                <a:ea typeface="Menlo" charset="0"/>
+                <a:cs typeface="Menlo" charset="0"/>
+              </a:rPr>
+              <a:t>    </a:t>
+            </a:r>
+            <a:r>
+              <a:rPr lang="en-US" dirty="0">
+                <a:solidFill>
+                  <a:srgbClr val="6A8759"/>
+                </a:solidFill>
+                <a:latin typeface="Menlo" charset="0"/>
+                <a:ea typeface="Menlo" charset="0"/>
+                <a:cs typeface="Menlo" charset="0"/>
+              </a:rPr>
+              <a:t>'</a:t>
+            </a:r>
+            <a:r>
+              <a:rPr lang="en-US" dirty="0" err="1">
+                <a:solidFill>
+                  <a:srgbClr val="6A8759"/>
+                </a:solidFill>
+                <a:latin typeface="Menlo" charset="0"/>
+                <a:ea typeface="Menlo" charset="0"/>
+                <a:cs typeface="Menlo" charset="0"/>
+              </a:rPr>
+              <a:t>app_sequence</a:t>
+            </a:r>
+            <a:r>
+              <a:rPr lang="en-US" dirty="0">
+                <a:solidFill>
+                  <a:srgbClr val="6A8759"/>
+                </a:solidFill>
+                <a:latin typeface="Menlo" charset="0"/>
+                <a:ea typeface="Menlo" charset="0"/>
+                <a:cs typeface="Menlo" charset="0"/>
+              </a:rPr>
+              <a:t>'</a:t>
+            </a:r>
+            <a:r>
+              <a:rPr lang="en-US" dirty="0">
+                <a:latin typeface="Menlo" charset="0"/>
+                <a:ea typeface="Menlo" charset="0"/>
+                <a:cs typeface="Menlo" charset="0"/>
+              </a:rPr>
+              <a:t>: [</a:t>
+            </a:r>
+            <a:r>
+              <a:rPr lang="en-US" dirty="0">
+                <a:solidFill>
+                  <a:srgbClr val="6A8759"/>
+                </a:solidFill>
+                <a:latin typeface="Menlo" charset="0"/>
+                <a:ea typeface="Menlo" charset="0"/>
+                <a:cs typeface="Menlo" charset="0"/>
+              </a:rPr>
+              <a:t>'q'</a:t>
+            </a:r>
+            <a:r>
+              <a:rPr lang="en-US" dirty="0">
+                <a:solidFill>
+                  <a:srgbClr val="CC7832"/>
+                </a:solidFill>
+                <a:latin typeface="Menlo" charset="0"/>
+                <a:ea typeface="Menlo" charset="0"/>
+                <a:cs typeface="Menlo" charset="0"/>
+              </a:rPr>
+              <a:t>, </a:t>
+            </a:r>
+            <a:r>
+              <a:rPr lang="en-US" dirty="0">
+                <a:solidFill>
+                  <a:srgbClr val="6A8759"/>
+                </a:solidFill>
+                <a:latin typeface="Menlo" charset="0"/>
+                <a:ea typeface="Menlo" charset="0"/>
+                <a:cs typeface="Menlo" charset="0"/>
+              </a:rPr>
+              <a:t>'</a:t>
+            </a:r>
+            <a:r>
+              <a:rPr lang="en-US" dirty="0" err="1">
+                <a:solidFill>
+                  <a:srgbClr val="6A8759"/>
+                </a:solidFill>
+                <a:latin typeface="Menlo" charset="0"/>
+                <a:ea typeface="Menlo" charset="0"/>
+                <a:cs typeface="Menlo" charset="0"/>
+              </a:rPr>
+              <a:t>pggmatch</a:t>
+            </a:r>
+            <a:r>
+              <a:rPr lang="en-US" dirty="0">
+                <a:solidFill>
+                  <a:srgbClr val="6A8759"/>
+                </a:solidFill>
+                <a:latin typeface="Menlo" charset="0"/>
+                <a:ea typeface="Menlo" charset="0"/>
+                <a:cs typeface="Menlo" charset="0"/>
+              </a:rPr>
+              <a:t>'</a:t>
+            </a:r>
+            <a:r>
+              <a:rPr lang="en-US" dirty="0">
+                <a:latin typeface="Menlo" charset="0"/>
+                <a:ea typeface="Menlo" charset="0"/>
+                <a:cs typeface="Menlo" charset="0"/>
+              </a:rPr>
+              <a:t>]</a:t>
+            </a:r>
+            <a:r>
+              <a:rPr lang="en-US" dirty="0">
+                <a:solidFill>
+                  <a:srgbClr val="CC7832"/>
+                </a:solidFill>
+                <a:latin typeface="Menlo" charset="0"/>
+                <a:ea typeface="Menlo" charset="0"/>
+                <a:cs typeface="Menlo" charset="0"/>
+              </a:rPr>
+              <a:t>,</a:t>
+            </a:r>
+            <a:br>
+              <a:rPr lang="en-US" dirty="0">
+                <a:solidFill>
+                  <a:srgbClr val="CC7832"/>
+                </a:solidFill>
+                <a:latin typeface="Menlo" charset="0"/>
+                <a:ea typeface="Menlo" charset="0"/>
+                <a:cs typeface="Menlo" charset="0"/>
+              </a:rPr>
+            </a:br>
+            <a:r>
+              <a:rPr lang="en-US" dirty="0">
+                <a:solidFill>
+                  <a:srgbClr val="CC7832"/>
+                </a:solidFill>
+                <a:latin typeface="Menlo" charset="0"/>
+                <a:ea typeface="Menlo" charset="0"/>
+                <a:cs typeface="Menlo" charset="0"/>
+              </a:rPr>
+              <a:t>    </a:t>
+            </a:r>
+            <a:r>
+              <a:rPr lang="en-US" dirty="0">
+                <a:solidFill>
+                  <a:srgbClr val="6A8759"/>
+                </a:solidFill>
+                <a:latin typeface="Menlo" charset="0"/>
+                <a:ea typeface="Menlo" charset="0"/>
+                <a:cs typeface="Menlo" charset="0"/>
+              </a:rPr>
+              <a:t>'random'</a:t>
+            </a:r>
+            <a:r>
+              <a:rPr lang="en-US" dirty="0">
+                <a:latin typeface="Menlo" charset="0"/>
+                <a:ea typeface="Menlo" charset="0"/>
+                <a:cs typeface="Menlo" charset="0"/>
+              </a:rPr>
+              <a:t>: </a:t>
+            </a:r>
+            <a:r>
+              <a:rPr lang="en-US" dirty="0">
+                <a:solidFill>
+                  <a:srgbClr val="CC7832"/>
+                </a:solidFill>
+                <a:latin typeface="Menlo" charset="0"/>
+                <a:ea typeface="Menlo" charset="0"/>
+                <a:cs typeface="Menlo" charset="0"/>
+              </a:rPr>
+              <a:t>True,</a:t>
+            </a:r>
+            <a:br>
+              <a:rPr lang="en-US" dirty="0">
+                <a:solidFill>
+                  <a:srgbClr val="CC7832"/>
+                </a:solidFill>
+                <a:latin typeface="Menlo" charset="0"/>
+                <a:ea typeface="Menlo" charset="0"/>
+                <a:cs typeface="Menlo" charset="0"/>
+              </a:rPr>
+            </a:br>
+            <a:r>
+              <a:rPr lang="en-US" dirty="0">
+                <a:solidFill>
+                  <a:srgbClr val="CC7832"/>
+                </a:solidFill>
+                <a:latin typeface="Menlo" charset="0"/>
+                <a:ea typeface="Menlo" charset="0"/>
+                <a:cs typeface="Menlo" charset="0"/>
+              </a:rPr>
+              <a:t>    </a:t>
+            </a:r>
+            <a:r>
+              <a:rPr lang="en-US" dirty="0">
+                <a:solidFill>
+                  <a:srgbClr val="6A8759"/>
+                </a:solidFill>
+                <a:latin typeface="Menlo" charset="0"/>
+                <a:ea typeface="Menlo" charset="0"/>
+                <a:cs typeface="Menlo" charset="0"/>
+              </a:rPr>
+              <a:t>'gender'</a:t>
+            </a:r>
+            <a:r>
+              <a:rPr lang="en-US" dirty="0">
+                <a:latin typeface="Menlo" charset="0"/>
+                <a:ea typeface="Menlo" charset="0"/>
+                <a:cs typeface="Menlo" charset="0"/>
+              </a:rPr>
+              <a:t>: </a:t>
+            </a:r>
+            <a:r>
+              <a:rPr lang="en-US" dirty="0">
+                <a:solidFill>
+                  <a:srgbClr val="CC7832"/>
+                </a:solidFill>
+                <a:latin typeface="Menlo" charset="0"/>
+                <a:ea typeface="Menlo" charset="0"/>
+                <a:cs typeface="Menlo" charset="0"/>
+              </a:rPr>
+              <a:t>False,</a:t>
+            </a:r>
+            <a:br>
+              <a:rPr lang="en-US" dirty="0">
+                <a:solidFill>
+                  <a:srgbClr val="CC7832"/>
+                </a:solidFill>
+                <a:latin typeface="Menlo" charset="0"/>
+                <a:ea typeface="Menlo" charset="0"/>
+                <a:cs typeface="Menlo" charset="0"/>
+              </a:rPr>
+            </a:br>
+            <a:r>
+              <a:rPr lang="en-US" dirty="0">
+                <a:solidFill>
+                  <a:srgbClr val="CC7832"/>
+                </a:solidFill>
+                <a:latin typeface="Menlo" charset="0"/>
+                <a:ea typeface="Menlo" charset="0"/>
+                <a:cs typeface="Menlo" charset="0"/>
+              </a:rPr>
+              <a:t>    </a:t>
+            </a:r>
+            <a:r>
+              <a:rPr lang="en-US" dirty="0">
+                <a:solidFill>
+                  <a:srgbClr val="6A8759"/>
+                </a:solidFill>
+                <a:latin typeface="Menlo" charset="0"/>
+                <a:ea typeface="Menlo" charset="0"/>
+                <a:cs typeface="Menlo" charset="0"/>
+              </a:rPr>
+              <a:t>'polity'</a:t>
+            </a:r>
+            <a:r>
+              <a:rPr lang="en-US" dirty="0">
+                <a:latin typeface="Menlo" charset="0"/>
+                <a:ea typeface="Menlo" charset="0"/>
+                <a:cs typeface="Menlo" charset="0"/>
+              </a:rPr>
+              <a:t>: </a:t>
+            </a:r>
+            <a:r>
+              <a:rPr lang="en-US" dirty="0">
+                <a:solidFill>
+                  <a:srgbClr val="CC7832"/>
+                </a:solidFill>
+                <a:latin typeface="Menlo" charset="0"/>
+                <a:ea typeface="Menlo" charset="0"/>
+                <a:cs typeface="Menlo" charset="0"/>
+              </a:rPr>
+              <a:t>False,</a:t>
+            </a:r>
+            <a:br>
+              <a:rPr lang="en-US" dirty="0">
+                <a:solidFill>
+                  <a:srgbClr val="CC7832"/>
+                </a:solidFill>
+                <a:latin typeface="Menlo" charset="0"/>
+                <a:ea typeface="Menlo" charset="0"/>
+                <a:cs typeface="Menlo" charset="0"/>
+              </a:rPr>
+            </a:br>
+            <a:r>
+              <a:rPr lang="en-US" dirty="0">
+                <a:latin typeface="Menlo" charset="0"/>
+                <a:ea typeface="Menlo" charset="0"/>
+                <a:cs typeface="Menlo" charset="0"/>
+              </a:rPr>
+              <a:t>}</a:t>
+            </a:r>
+            <a:r>
+              <a:rPr lang="en-US" dirty="0">
+                <a:solidFill>
+                  <a:srgbClr val="CC7832"/>
+                </a:solidFill>
+                <a:latin typeface="Menlo" charset="0"/>
+                <a:ea typeface="Menlo" charset="0"/>
+                <a:cs typeface="Menlo" charset="0"/>
+              </a:rPr>
+              <a:t>,</a:t>
+            </a:r>
+            <a:endParaRPr lang="en-US" dirty="0">
+              <a:latin typeface="Menlo" charset="0"/>
+              <a:ea typeface="Menlo" charset="0"/>
+              <a:cs typeface="Menlo" charset="0"/>
+            </a:endParaRPr>
           </a:p>
         </p:txBody>
       </p:sp>
     </p:spTree>
     <p:extLst>
       <p:ext uri="{BB962C8B-B14F-4D97-AF65-F5344CB8AC3E}">
-        <p14:creationId xmlns:p14="http://schemas.microsoft.com/office/powerpoint/2010/main" val="64050508"/>
+        <p14:creationId xmlns:p14="http://schemas.microsoft.com/office/powerpoint/2010/main" val="474437353"/>
       </p:ext>
     </p:extLst>
   </p:cSld>
@@ -4638,10 +6891,10 @@
           <a:lstStyle/>
           <a:p>
             <a:r>
-              <a:rPr lang="en-US" dirty="0" smtClean="0"/>
-              <a:t>GBAT (Group by arrival time)</a:t>
-            </a:r>
-            <a:endParaRPr lang="en-US" dirty="0"/>
+              <a:rPr lang="en-US" smtClean="0"/>
+              <a:t>Matching</a:t>
+            </a:r>
+            <a:endParaRPr lang="en-US"/>
           </a:p>
         </p:txBody>
       </p:sp>
@@ -4660,7 +6913,1644 @@
           <a:bodyPr/>
           <a:lstStyle/>
           <a:p>
+            <a:r>
+              <a:rPr lang="en-US" dirty="0" err="1" smtClean="0">
+                <a:latin typeface="Menlo" charset="0"/>
+                <a:ea typeface="Menlo" charset="0"/>
+                <a:cs typeface="Menlo" charset="0"/>
+              </a:rPr>
+              <a:t>subsession.get_group_matrix</a:t>
+            </a:r>
+            <a:endParaRPr lang="en-US" dirty="0" smtClean="0">
+              <a:latin typeface="Menlo" charset="0"/>
+              <a:ea typeface="Menlo" charset="0"/>
+              <a:cs typeface="Menlo" charset="0"/>
+            </a:endParaRPr>
+          </a:p>
+          <a:p>
+            <a:r>
+              <a:rPr lang="en-US" dirty="0" err="1" smtClean="0">
+                <a:latin typeface="Menlo" charset="0"/>
+                <a:ea typeface="Menlo" charset="0"/>
+                <a:cs typeface="Menlo" charset="0"/>
+              </a:rPr>
+              <a:t>subsession.set_group_matrix</a:t>
+            </a:r>
+            <a:endParaRPr lang="en-US" dirty="0">
+              <a:latin typeface="Menlo" charset="0"/>
+              <a:ea typeface="Menlo" charset="0"/>
+              <a:cs typeface="Menlo" charset="0"/>
+            </a:endParaRPr>
+          </a:p>
+          <a:p>
+            <a:r>
+              <a:rPr lang="en-US" dirty="0" err="1" smtClean="0">
+                <a:latin typeface="Menlo" charset="0"/>
+                <a:ea typeface="Menlo" charset="0"/>
+                <a:cs typeface="Menlo" charset="0"/>
+              </a:rPr>
+              <a:t>subsession.group_like_round</a:t>
+            </a:r>
+            <a:endParaRPr lang="en-US" dirty="0" smtClean="0">
+              <a:latin typeface="Menlo" charset="0"/>
+              <a:ea typeface="Menlo" charset="0"/>
+              <a:cs typeface="Menlo" charset="0"/>
+            </a:endParaRPr>
+          </a:p>
+          <a:p>
+            <a:endParaRPr lang="en-US" dirty="0">
+              <a:latin typeface="Menlo" charset="0"/>
+              <a:ea typeface="Menlo" charset="0"/>
+              <a:cs typeface="Menlo" charset="0"/>
+            </a:endParaRPr>
+          </a:p>
+        </p:txBody>
+      </p:sp>
+      <p:sp>
+        <p:nvSpPr>
+          <p:cNvPr id="4" name="Rectangle 3"/>
+          <p:cNvSpPr/>
+          <p:nvPr/>
+        </p:nvSpPr>
+        <p:spPr>
+          <a:xfrm>
+            <a:off x="457200" y="3449577"/>
+            <a:ext cx="11734800" cy="2585323"/>
+          </a:xfrm>
+          <a:prstGeom prst="rect">
+            <a:avLst/>
+          </a:prstGeom>
+        </p:spPr>
+        <p:txBody>
+          <a:bodyPr wrap="square">
+            <a:spAutoFit/>
+          </a:bodyPr>
+          <a:lstStyle/>
+          <a:p>
+            <a:r>
+              <a:rPr lang="en-US" dirty="0" err="1">
+                <a:solidFill>
+                  <a:srgbClr val="CC7832"/>
+                </a:solidFill>
+                <a:latin typeface="Menlo" charset="0"/>
+                <a:ea typeface="Menlo" charset="0"/>
+                <a:cs typeface="Menlo" charset="0"/>
+              </a:rPr>
+              <a:t>def</a:t>
+            </a:r>
+            <a:r>
+              <a:rPr lang="en-US" dirty="0">
+                <a:solidFill>
+                  <a:srgbClr val="CC7832"/>
+                </a:solidFill>
+                <a:latin typeface="Menlo" charset="0"/>
+                <a:ea typeface="Menlo" charset="0"/>
+                <a:cs typeface="Menlo" charset="0"/>
+              </a:rPr>
+              <a:t> </a:t>
+            </a:r>
+            <a:r>
+              <a:rPr lang="en-US" dirty="0" err="1">
+                <a:solidFill>
+                  <a:srgbClr val="FFC66D"/>
+                </a:solidFill>
+                <a:latin typeface="Menlo" charset="0"/>
+                <a:ea typeface="Menlo" charset="0"/>
+                <a:cs typeface="Menlo" charset="0"/>
+              </a:rPr>
+              <a:t>creating_session</a:t>
+            </a:r>
+            <a:r>
+              <a:rPr lang="en-US" dirty="0">
+                <a:latin typeface="Menlo" charset="0"/>
+                <a:ea typeface="Menlo" charset="0"/>
+                <a:cs typeface="Menlo" charset="0"/>
+              </a:rPr>
+              <a:t>(</a:t>
+            </a:r>
+            <a:r>
+              <a:rPr lang="en-US" dirty="0">
+                <a:solidFill>
+                  <a:srgbClr val="94558D"/>
+                </a:solidFill>
+                <a:latin typeface="Menlo" charset="0"/>
+                <a:ea typeface="Menlo" charset="0"/>
+                <a:cs typeface="Menlo" charset="0"/>
+              </a:rPr>
+              <a:t>self</a:t>
+            </a:r>
+            <a:r>
+              <a:rPr lang="en-US" dirty="0">
+                <a:latin typeface="Menlo" charset="0"/>
+                <a:ea typeface="Menlo" charset="0"/>
+                <a:cs typeface="Menlo" charset="0"/>
+              </a:rPr>
+              <a:t>):</a:t>
+            </a:r>
+            <a:br>
+              <a:rPr lang="en-US" dirty="0">
+                <a:latin typeface="Menlo" charset="0"/>
+                <a:ea typeface="Menlo" charset="0"/>
+                <a:cs typeface="Menlo" charset="0"/>
+              </a:rPr>
+            </a:br>
+            <a:r>
+              <a:rPr lang="en-US" dirty="0" smtClean="0">
+                <a:latin typeface="Menlo" charset="0"/>
+                <a:ea typeface="Menlo" charset="0"/>
+                <a:cs typeface="Menlo" charset="0"/>
+              </a:rPr>
+              <a:t>    </a:t>
+            </a:r>
+            <a:r>
+              <a:rPr lang="en-US" dirty="0" err="1">
+                <a:solidFill>
+                  <a:srgbClr val="94558D"/>
+                </a:solidFill>
+                <a:latin typeface="Menlo" charset="0"/>
+                <a:ea typeface="Menlo" charset="0"/>
+                <a:cs typeface="Menlo" charset="0"/>
+              </a:rPr>
+              <a:t>self</a:t>
+            </a:r>
+            <a:r>
+              <a:rPr lang="en-US" dirty="0" err="1">
+                <a:latin typeface="Menlo" charset="0"/>
+                <a:ea typeface="Menlo" charset="0"/>
+                <a:cs typeface="Menlo" charset="0"/>
+              </a:rPr>
+              <a:t>.random</a:t>
+            </a:r>
+            <a:r>
+              <a:rPr lang="en-US" dirty="0">
+                <a:latin typeface="Menlo" charset="0"/>
+                <a:ea typeface="Menlo" charset="0"/>
+                <a:cs typeface="Menlo" charset="0"/>
+              </a:rPr>
+              <a:t> = </a:t>
+            </a:r>
+            <a:r>
+              <a:rPr lang="en-US" dirty="0" err="1">
+                <a:solidFill>
+                  <a:srgbClr val="94558D"/>
+                </a:solidFill>
+                <a:latin typeface="Menlo" charset="0"/>
+                <a:ea typeface="Menlo" charset="0"/>
+                <a:cs typeface="Menlo" charset="0"/>
+              </a:rPr>
+              <a:t>self</a:t>
+            </a:r>
+            <a:r>
+              <a:rPr lang="en-US" dirty="0" err="1">
+                <a:latin typeface="Menlo" charset="0"/>
+                <a:ea typeface="Menlo" charset="0"/>
+                <a:cs typeface="Menlo" charset="0"/>
+              </a:rPr>
+              <a:t>.session.config.get</a:t>
+            </a:r>
+            <a:r>
+              <a:rPr lang="en-US" dirty="0">
+                <a:latin typeface="Menlo" charset="0"/>
+                <a:ea typeface="Menlo" charset="0"/>
+                <a:cs typeface="Menlo" charset="0"/>
+              </a:rPr>
+              <a:t>(</a:t>
+            </a:r>
+            <a:r>
+              <a:rPr lang="en-US" dirty="0">
+                <a:solidFill>
+                  <a:srgbClr val="6A8759"/>
+                </a:solidFill>
+                <a:latin typeface="Menlo" charset="0"/>
+                <a:ea typeface="Menlo" charset="0"/>
+                <a:cs typeface="Menlo" charset="0"/>
+              </a:rPr>
+              <a:t>'random'</a:t>
+            </a:r>
+            <a:r>
+              <a:rPr lang="en-US" dirty="0">
+                <a:latin typeface="Menlo" charset="0"/>
+                <a:ea typeface="Menlo" charset="0"/>
+                <a:cs typeface="Menlo" charset="0"/>
+              </a:rPr>
+              <a:t>)</a:t>
+            </a:r>
+            <a:br>
+              <a:rPr lang="en-US" dirty="0">
+                <a:latin typeface="Menlo" charset="0"/>
+                <a:ea typeface="Menlo" charset="0"/>
+                <a:cs typeface="Menlo" charset="0"/>
+              </a:rPr>
+            </a:br>
+            <a:r>
+              <a:rPr lang="en-US" dirty="0">
+                <a:latin typeface="Menlo" charset="0"/>
+                <a:ea typeface="Menlo" charset="0"/>
+                <a:cs typeface="Menlo" charset="0"/>
+              </a:rPr>
+              <a:t>    </a:t>
+            </a:r>
+            <a:r>
+              <a:rPr lang="en-US" dirty="0">
+                <a:solidFill>
+                  <a:srgbClr val="CC7832"/>
+                </a:solidFill>
+                <a:latin typeface="Menlo" charset="0"/>
+                <a:ea typeface="Menlo" charset="0"/>
+                <a:cs typeface="Menlo" charset="0"/>
+              </a:rPr>
+              <a:t>if </a:t>
+            </a:r>
+            <a:r>
+              <a:rPr lang="en-US" dirty="0" err="1">
+                <a:solidFill>
+                  <a:srgbClr val="94558D"/>
+                </a:solidFill>
+                <a:latin typeface="Menlo" charset="0"/>
+                <a:ea typeface="Menlo" charset="0"/>
+                <a:cs typeface="Menlo" charset="0"/>
+              </a:rPr>
+              <a:t>self</a:t>
+            </a:r>
+            <a:r>
+              <a:rPr lang="en-US" dirty="0" err="1">
+                <a:latin typeface="Menlo" charset="0"/>
+                <a:ea typeface="Menlo" charset="0"/>
+                <a:cs typeface="Menlo" charset="0"/>
+              </a:rPr>
+              <a:t>.random</a:t>
+            </a:r>
+            <a:r>
+              <a:rPr lang="en-US" dirty="0">
+                <a:latin typeface="Menlo" charset="0"/>
+                <a:ea typeface="Menlo" charset="0"/>
+                <a:cs typeface="Menlo" charset="0"/>
+              </a:rPr>
+              <a:t>:</a:t>
+            </a:r>
+            <a:br>
+              <a:rPr lang="en-US" dirty="0">
+                <a:latin typeface="Menlo" charset="0"/>
+                <a:ea typeface="Menlo" charset="0"/>
+                <a:cs typeface="Menlo" charset="0"/>
+              </a:rPr>
+            </a:br>
+            <a:r>
+              <a:rPr lang="en-US" dirty="0">
+                <a:latin typeface="Menlo" charset="0"/>
+                <a:ea typeface="Menlo" charset="0"/>
+                <a:cs typeface="Menlo" charset="0"/>
+              </a:rPr>
+              <a:t>        </a:t>
+            </a:r>
+            <a:r>
+              <a:rPr lang="en-US" dirty="0">
+                <a:solidFill>
+                  <a:srgbClr val="CC7832"/>
+                </a:solidFill>
+                <a:latin typeface="Menlo" charset="0"/>
+                <a:ea typeface="Menlo" charset="0"/>
+                <a:cs typeface="Menlo" charset="0"/>
+              </a:rPr>
+              <a:t>if </a:t>
+            </a:r>
+            <a:r>
+              <a:rPr lang="en-US" dirty="0" err="1">
+                <a:solidFill>
+                  <a:srgbClr val="94558D"/>
+                </a:solidFill>
+                <a:latin typeface="Menlo" charset="0"/>
+                <a:ea typeface="Menlo" charset="0"/>
+                <a:cs typeface="Menlo" charset="0"/>
+              </a:rPr>
+              <a:t>self</a:t>
+            </a:r>
+            <a:r>
+              <a:rPr lang="en-US" dirty="0" err="1">
+                <a:latin typeface="Menlo" charset="0"/>
+                <a:ea typeface="Menlo" charset="0"/>
+                <a:cs typeface="Menlo" charset="0"/>
+              </a:rPr>
+              <a:t>.round_number</a:t>
+            </a:r>
+            <a:r>
+              <a:rPr lang="en-US" dirty="0">
+                <a:latin typeface="Menlo" charset="0"/>
+                <a:ea typeface="Menlo" charset="0"/>
+                <a:cs typeface="Menlo" charset="0"/>
+              </a:rPr>
+              <a:t> </a:t>
+            </a:r>
+            <a:r>
+              <a:rPr lang="en-US" dirty="0">
+                <a:solidFill>
+                  <a:srgbClr val="CC7832"/>
+                </a:solidFill>
+                <a:latin typeface="Menlo" charset="0"/>
+                <a:ea typeface="Menlo" charset="0"/>
+                <a:cs typeface="Menlo" charset="0"/>
+              </a:rPr>
+              <a:t>in </a:t>
+            </a:r>
+            <a:r>
+              <a:rPr lang="en-US" dirty="0" err="1">
+                <a:latin typeface="Menlo" charset="0"/>
+                <a:ea typeface="Menlo" charset="0"/>
+                <a:cs typeface="Menlo" charset="0"/>
+              </a:rPr>
+              <a:t>Constants.shuffling_rounds</a:t>
+            </a:r>
+            <a:r>
+              <a:rPr lang="en-US" dirty="0">
+                <a:latin typeface="Menlo" charset="0"/>
+                <a:ea typeface="Menlo" charset="0"/>
+                <a:cs typeface="Menlo" charset="0"/>
+              </a:rPr>
+              <a:t>:</a:t>
+            </a:r>
+            <a:br>
+              <a:rPr lang="en-US" dirty="0">
+                <a:latin typeface="Menlo" charset="0"/>
+                <a:ea typeface="Menlo" charset="0"/>
+                <a:cs typeface="Menlo" charset="0"/>
+              </a:rPr>
+            </a:br>
+            <a:r>
+              <a:rPr lang="en-US" dirty="0">
+                <a:latin typeface="Menlo" charset="0"/>
+                <a:ea typeface="Menlo" charset="0"/>
+                <a:cs typeface="Menlo" charset="0"/>
+              </a:rPr>
+              <a:t>            </a:t>
+            </a:r>
+            <a:r>
+              <a:rPr lang="en-US" dirty="0" err="1">
+                <a:solidFill>
+                  <a:srgbClr val="94558D"/>
+                </a:solidFill>
+                <a:latin typeface="Menlo" charset="0"/>
+                <a:ea typeface="Menlo" charset="0"/>
+                <a:cs typeface="Menlo" charset="0"/>
+              </a:rPr>
+              <a:t>self</a:t>
+            </a:r>
+            <a:r>
+              <a:rPr lang="en-US" dirty="0" err="1">
+                <a:latin typeface="Menlo" charset="0"/>
+                <a:ea typeface="Menlo" charset="0"/>
+                <a:cs typeface="Menlo" charset="0"/>
+              </a:rPr>
+              <a:t>.group_randomly</a:t>
+            </a:r>
+            <a:r>
+              <a:rPr lang="en-US" dirty="0">
+                <a:latin typeface="Menlo" charset="0"/>
+                <a:ea typeface="Menlo" charset="0"/>
+                <a:cs typeface="Menlo" charset="0"/>
+              </a:rPr>
+              <a:t>()</a:t>
+            </a:r>
+            <a:br>
+              <a:rPr lang="en-US" dirty="0">
+                <a:latin typeface="Menlo" charset="0"/>
+                <a:ea typeface="Menlo" charset="0"/>
+                <a:cs typeface="Menlo" charset="0"/>
+              </a:rPr>
+            </a:br>
+            <a:r>
+              <a:rPr lang="en-US" dirty="0">
+                <a:latin typeface="Menlo" charset="0"/>
+                <a:ea typeface="Menlo" charset="0"/>
+                <a:cs typeface="Menlo" charset="0"/>
+              </a:rPr>
+              <a:t>        </a:t>
+            </a:r>
+            <a:r>
+              <a:rPr lang="en-US" dirty="0">
+                <a:solidFill>
+                  <a:srgbClr val="CC7832"/>
+                </a:solidFill>
+                <a:latin typeface="Menlo" charset="0"/>
+                <a:ea typeface="Menlo" charset="0"/>
+                <a:cs typeface="Menlo" charset="0"/>
+              </a:rPr>
+              <a:t>else</a:t>
+            </a:r>
+            <a:r>
+              <a:rPr lang="en-US" dirty="0">
+                <a:latin typeface="Menlo" charset="0"/>
+                <a:ea typeface="Menlo" charset="0"/>
+                <a:cs typeface="Menlo" charset="0"/>
+              </a:rPr>
+              <a:t>:</a:t>
+            </a:r>
+            <a:br>
+              <a:rPr lang="en-US" dirty="0">
+                <a:latin typeface="Menlo" charset="0"/>
+                <a:ea typeface="Menlo" charset="0"/>
+                <a:cs typeface="Menlo" charset="0"/>
+              </a:rPr>
+            </a:br>
+            <a:r>
+              <a:rPr lang="en-US" dirty="0">
+                <a:latin typeface="Menlo" charset="0"/>
+                <a:ea typeface="Menlo" charset="0"/>
+                <a:cs typeface="Menlo" charset="0"/>
+              </a:rPr>
+              <a:t>            </a:t>
+            </a:r>
+            <a:r>
+              <a:rPr lang="en-US" dirty="0" err="1">
+                <a:latin typeface="Menlo" charset="0"/>
+                <a:ea typeface="Menlo" charset="0"/>
+                <a:cs typeface="Menlo" charset="0"/>
+              </a:rPr>
+              <a:t>highest_shuffling_round</a:t>
+            </a:r>
+            <a:r>
+              <a:rPr lang="en-US" dirty="0">
+                <a:latin typeface="Menlo" charset="0"/>
+                <a:ea typeface="Menlo" charset="0"/>
+                <a:cs typeface="Menlo" charset="0"/>
+              </a:rPr>
+              <a:t> = </a:t>
+            </a:r>
+            <a:r>
+              <a:rPr lang="en-US" dirty="0">
+                <a:solidFill>
+                  <a:srgbClr val="8888C6"/>
+                </a:solidFill>
+                <a:latin typeface="Menlo" charset="0"/>
+                <a:ea typeface="Menlo" charset="0"/>
+                <a:cs typeface="Menlo" charset="0"/>
+              </a:rPr>
+              <a:t>max</a:t>
+            </a:r>
+            <a:r>
+              <a:rPr lang="en-US" dirty="0">
+                <a:latin typeface="Menlo" charset="0"/>
+                <a:ea typeface="Menlo" charset="0"/>
+                <a:cs typeface="Menlo" charset="0"/>
+              </a:rPr>
+              <a:t>(</a:t>
+            </a:r>
+            <a:r>
+              <a:rPr lang="en-US" dirty="0" err="1">
+                <a:latin typeface="Menlo" charset="0"/>
+                <a:ea typeface="Menlo" charset="0"/>
+                <a:cs typeface="Menlo" charset="0"/>
+              </a:rPr>
+              <a:t>i</a:t>
+            </a:r>
+            <a:r>
+              <a:rPr lang="en-US" dirty="0">
+                <a:latin typeface="Menlo" charset="0"/>
+                <a:ea typeface="Menlo" charset="0"/>
+                <a:cs typeface="Menlo" charset="0"/>
+              </a:rPr>
+              <a:t> </a:t>
+            </a:r>
+            <a:r>
+              <a:rPr lang="en-US" dirty="0">
+                <a:solidFill>
+                  <a:srgbClr val="CC7832"/>
+                </a:solidFill>
+                <a:latin typeface="Menlo" charset="0"/>
+                <a:ea typeface="Menlo" charset="0"/>
+                <a:cs typeface="Menlo" charset="0"/>
+              </a:rPr>
+              <a:t>for </a:t>
+            </a:r>
+            <a:r>
+              <a:rPr lang="en-US" dirty="0" err="1">
+                <a:latin typeface="Menlo" charset="0"/>
+                <a:ea typeface="Menlo" charset="0"/>
+                <a:cs typeface="Menlo" charset="0"/>
+              </a:rPr>
+              <a:t>i</a:t>
+            </a:r>
+            <a:r>
+              <a:rPr lang="en-US" dirty="0">
+                <a:latin typeface="Menlo" charset="0"/>
+                <a:ea typeface="Menlo" charset="0"/>
+                <a:cs typeface="Menlo" charset="0"/>
+              </a:rPr>
+              <a:t> </a:t>
+            </a:r>
+            <a:r>
+              <a:rPr lang="en-US" dirty="0">
+                <a:solidFill>
+                  <a:srgbClr val="CC7832"/>
+                </a:solidFill>
+                <a:latin typeface="Menlo" charset="0"/>
+                <a:ea typeface="Menlo" charset="0"/>
+                <a:cs typeface="Menlo" charset="0"/>
+              </a:rPr>
+              <a:t>in </a:t>
+            </a:r>
+            <a:r>
+              <a:rPr lang="en-US" dirty="0" err="1">
+                <a:latin typeface="Menlo" charset="0"/>
+                <a:ea typeface="Menlo" charset="0"/>
+                <a:cs typeface="Menlo" charset="0"/>
+              </a:rPr>
+              <a:t>Constants.shuffling_rounds</a:t>
+            </a:r>
+            <a:r>
+              <a:rPr lang="en-US" dirty="0">
+                <a:latin typeface="Menlo" charset="0"/>
+                <a:ea typeface="Menlo" charset="0"/>
+                <a:cs typeface="Menlo" charset="0"/>
+              </a:rPr>
+              <a:t> </a:t>
+            </a:r>
+            <a:r>
+              <a:rPr lang="en-US" dirty="0">
+                <a:solidFill>
+                  <a:srgbClr val="CC7832"/>
+                </a:solidFill>
+                <a:latin typeface="Menlo" charset="0"/>
+                <a:ea typeface="Menlo" charset="0"/>
+                <a:cs typeface="Menlo" charset="0"/>
+              </a:rPr>
+              <a:t>if </a:t>
+            </a:r>
+            <a:r>
+              <a:rPr lang="en-US" dirty="0" err="1">
+                <a:latin typeface="Menlo" charset="0"/>
+                <a:ea typeface="Menlo" charset="0"/>
+                <a:cs typeface="Menlo" charset="0"/>
+              </a:rPr>
+              <a:t>i</a:t>
+            </a:r>
+            <a:r>
+              <a:rPr lang="en-US" dirty="0">
+                <a:latin typeface="Menlo" charset="0"/>
+                <a:ea typeface="Menlo" charset="0"/>
+                <a:cs typeface="Menlo" charset="0"/>
+              </a:rPr>
+              <a:t> &lt; </a:t>
+            </a:r>
+            <a:r>
+              <a:rPr lang="en-US" dirty="0" err="1">
+                <a:solidFill>
+                  <a:srgbClr val="94558D"/>
+                </a:solidFill>
+                <a:latin typeface="Menlo" charset="0"/>
+                <a:ea typeface="Menlo" charset="0"/>
+                <a:cs typeface="Menlo" charset="0"/>
+              </a:rPr>
+              <a:t>self</a:t>
+            </a:r>
+            <a:r>
+              <a:rPr lang="en-US" dirty="0" err="1">
+                <a:latin typeface="Menlo" charset="0"/>
+                <a:ea typeface="Menlo" charset="0"/>
+                <a:cs typeface="Menlo" charset="0"/>
+              </a:rPr>
+              <a:t>.round_number</a:t>
+            </a:r>
+            <a:r>
+              <a:rPr lang="en-US" dirty="0">
+                <a:latin typeface="Menlo" charset="0"/>
+                <a:ea typeface="Menlo" charset="0"/>
+                <a:cs typeface="Menlo" charset="0"/>
+              </a:rPr>
+              <a:t>)</a:t>
+            </a:r>
+            <a:br>
+              <a:rPr lang="en-US" dirty="0">
+                <a:latin typeface="Menlo" charset="0"/>
+                <a:ea typeface="Menlo" charset="0"/>
+                <a:cs typeface="Menlo" charset="0"/>
+              </a:rPr>
+            </a:br>
+            <a:r>
+              <a:rPr lang="en-US" dirty="0">
+                <a:latin typeface="Menlo" charset="0"/>
+                <a:ea typeface="Menlo" charset="0"/>
+                <a:cs typeface="Menlo" charset="0"/>
+              </a:rPr>
+              <a:t>            </a:t>
+            </a:r>
+            <a:r>
+              <a:rPr lang="en-US" dirty="0" err="1">
+                <a:solidFill>
+                  <a:srgbClr val="94558D"/>
+                </a:solidFill>
+                <a:latin typeface="Menlo" charset="0"/>
+                <a:ea typeface="Menlo" charset="0"/>
+                <a:cs typeface="Menlo" charset="0"/>
+              </a:rPr>
+              <a:t>self</a:t>
+            </a:r>
+            <a:r>
+              <a:rPr lang="en-US" dirty="0" err="1">
+                <a:latin typeface="Menlo" charset="0"/>
+                <a:ea typeface="Menlo" charset="0"/>
+                <a:cs typeface="Menlo" charset="0"/>
+              </a:rPr>
+              <a:t>.group_like_round</a:t>
+            </a:r>
+            <a:r>
+              <a:rPr lang="en-US" dirty="0">
+                <a:latin typeface="Menlo" charset="0"/>
+                <a:ea typeface="Menlo" charset="0"/>
+                <a:cs typeface="Menlo" charset="0"/>
+              </a:rPr>
+              <a:t>(</a:t>
+            </a:r>
+            <a:r>
+              <a:rPr lang="en-US" dirty="0" err="1">
+                <a:latin typeface="Menlo" charset="0"/>
+                <a:ea typeface="Menlo" charset="0"/>
+                <a:cs typeface="Menlo" charset="0"/>
+              </a:rPr>
+              <a:t>highest_shuffling_round</a:t>
+            </a:r>
+            <a:r>
+              <a:rPr lang="en-US" dirty="0">
+                <a:latin typeface="Menlo" charset="0"/>
+                <a:ea typeface="Menlo" charset="0"/>
+                <a:cs typeface="Menlo" charset="0"/>
+              </a:rPr>
+              <a:t>)</a:t>
+            </a:r>
+          </a:p>
+        </p:txBody>
+      </p:sp>
+    </p:spTree>
+    <p:extLst>
+      <p:ext uri="{BB962C8B-B14F-4D97-AF65-F5344CB8AC3E}">
+        <p14:creationId xmlns:p14="http://schemas.microsoft.com/office/powerpoint/2010/main" val="64050508"/>
+      </p:ext>
+    </p:extLst>
+  </p:cSld>
+  <p:clrMapOvr>
+    <a:masterClrMapping/>
+  </p:clrMapOvr>
+  <p:timing>
+    <p:tnLst>
+      <p:par>
+        <p:cTn id="1" dur="indefinite" restart="never" nodeType="tmRoot"/>
+      </p:par>
+    </p:tnLst>
+  </p:timing>
+</p:sld>
+</file>
+
+<file path=ppt/slides/slide8.xml><?xml version="1.0" encoding="utf-8"?>
+<p:sld xmlns:a="http://schemas.openxmlformats.org/drawingml/2006/main" xmlns:r="http://schemas.openxmlformats.org/officeDocument/2006/relationships" xmlns:p="http://schemas.openxmlformats.org/presentationml/2006/main">
+  <p:cSld>
+    <p:spTree>
+      <p:nvGrpSpPr>
+        <p:cNvPr id="1" name=""/>
+        <p:cNvGrpSpPr/>
+        <p:nvPr/>
+      </p:nvGrpSpPr>
+      <p:grpSpPr>
+        <a:xfrm>
+          <a:off x="0" y="0"/>
+          <a:ext cx="0" cy="0"/>
+          <a:chOff x="0" y="0"/>
+          <a:chExt cx="0" cy="0"/>
+        </a:xfrm>
+      </p:grpSpPr>
+      <p:sp>
+        <p:nvSpPr>
+          <p:cNvPr id="2" name="Title 1"/>
+          <p:cNvSpPr>
+            <a:spLocks noGrp="1"/>
+          </p:cNvSpPr>
+          <p:nvPr>
+            <p:ph type="title"/>
+          </p:nvPr>
+        </p:nvSpPr>
+        <p:spPr/>
+        <p:txBody>
+          <a:bodyPr/>
+          <a:lstStyle/>
+          <a:p>
+            <a:r>
+              <a:rPr lang="en-US" smtClean="0"/>
+              <a:t>GBAT (Group by arrival time)</a:t>
+            </a:r>
             <a:endParaRPr lang="en-US"/>
+          </a:p>
+        </p:txBody>
+      </p:sp>
+      <p:sp>
+        <p:nvSpPr>
+          <p:cNvPr id="4" name="Rectangle 3"/>
+          <p:cNvSpPr/>
+          <p:nvPr/>
+        </p:nvSpPr>
+        <p:spPr>
+          <a:xfrm>
+            <a:off x="190500" y="1966943"/>
+            <a:ext cx="12001500" cy="3293209"/>
+          </a:xfrm>
+          <a:prstGeom prst="rect">
+            <a:avLst/>
+          </a:prstGeom>
+        </p:spPr>
+        <p:txBody>
+          <a:bodyPr wrap="square">
+            <a:spAutoFit/>
+          </a:bodyPr>
+          <a:lstStyle/>
+          <a:p>
+            <a:r>
+              <a:rPr lang="en-US" sz="1600" dirty="0">
+                <a:solidFill>
+                  <a:srgbClr val="CC7832"/>
+                </a:solidFill>
+                <a:latin typeface="Menlo" charset="0"/>
+                <a:ea typeface="Menlo" charset="0"/>
+                <a:cs typeface="Menlo" charset="0"/>
+              </a:rPr>
+              <a:t>class </a:t>
+            </a:r>
+            <a:r>
+              <a:rPr lang="en-US" sz="1600" dirty="0" err="1">
+                <a:latin typeface="Menlo" charset="0"/>
+                <a:ea typeface="Menlo" charset="0"/>
+                <a:cs typeface="Menlo" charset="0"/>
+              </a:rPr>
+              <a:t>MatchingWP</a:t>
+            </a:r>
+            <a:r>
+              <a:rPr lang="en-US" sz="1600" dirty="0">
+                <a:latin typeface="Menlo" charset="0"/>
+                <a:ea typeface="Menlo" charset="0"/>
+                <a:cs typeface="Menlo" charset="0"/>
+              </a:rPr>
+              <a:t>(</a:t>
+            </a:r>
+            <a:r>
+              <a:rPr lang="en-US" sz="1600" dirty="0" err="1">
+                <a:latin typeface="Menlo" charset="0"/>
+                <a:ea typeface="Menlo" charset="0"/>
+                <a:cs typeface="Menlo" charset="0"/>
+              </a:rPr>
+              <a:t>WaitPage</a:t>
+            </a:r>
+            <a:r>
+              <a:rPr lang="en-US" sz="1600" dirty="0">
+                <a:latin typeface="Menlo" charset="0"/>
+                <a:ea typeface="Menlo" charset="0"/>
+                <a:cs typeface="Menlo" charset="0"/>
+              </a:rPr>
+              <a:t>):</a:t>
+            </a:r>
+            <a:br>
+              <a:rPr lang="en-US" sz="1600" dirty="0">
+                <a:latin typeface="Menlo" charset="0"/>
+                <a:ea typeface="Menlo" charset="0"/>
+                <a:cs typeface="Menlo" charset="0"/>
+              </a:rPr>
+            </a:br>
+            <a:r>
+              <a:rPr lang="en-US" sz="1600" dirty="0">
+                <a:latin typeface="Menlo" charset="0"/>
+                <a:ea typeface="Menlo" charset="0"/>
+                <a:cs typeface="Menlo" charset="0"/>
+              </a:rPr>
+              <a:t>    </a:t>
+            </a:r>
+            <a:r>
+              <a:rPr lang="en-US" sz="1600" dirty="0" err="1">
+                <a:latin typeface="Menlo" charset="0"/>
+                <a:ea typeface="Menlo" charset="0"/>
+                <a:cs typeface="Menlo" charset="0"/>
+              </a:rPr>
+              <a:t>group_by_arrival_time</a:t>
+            </a:r>
+            <a:r>
+              <a:rPr lang="en-US" sz="1600" dirty="0">
+                <a:latin typeface="Menlo" charset="0"/>
+                <a:ea typeface="Menlo" charset="0"/>
+                <a:cs typeface="Menlo" charset="0"/>
+              </a:rPr>
+              <a:t> = </a:t>
+            </a:r>
+            <a:r>
+              <a:rPr lang="en-US" sz="1600" dirty="0">
+                <a:solidFill>
+                  <a:srgbClr val="CC7832"/>
+                </a:solidFill>
+                <a:latin typeface="Menlo" charset="0"/>
+                <a:ea typeface="Menlo" charset="0"/>
+                <a:cs typeface="Menlo" charset="0"/>
+              </a:rPr>
+              <a:t>True</a:t>
+            </a:r>
+            <a:br>
+              <a:rPr lang="en-US" sz="1600" dirty="0">
+                <a:solidFill>
+                  <a:srgbClr val="CC7832"/>
+                </a:solidFill>
+                <a:latin typeface="Menlo" charset="0"/>
+                <a:ea typeface="Menlo" charset="0"/>
+                <a:cs typeface="Menlo" charset="0"/>
+              </a:rPr>
+            </a:br>
+            <a:r>
+              <a:rPr lang="en-US" sz="1600" dirty="0">
+                <a:solidFill>
+                  <a:srgbClr val="CC7832"/>
+                </a:solidFill>
+                <a:latin typeface="Menlo" charset="0"/>
+                <a:ea typeface="Menlo" charset="0"/>
+                <a:cs typeface="Menlo" charset="0"/>
+              </a:rPr>
+              <a:t/>
+            </a:r>
+            <a:br>
+              <a:rPr lang="en-US" sz="1600" dirty="0">
+                <a:solidFill>
+                  <a:srgbClr val="CC7832"/>
+                </a:solidFill>
+                <a:latin typeface="Menlo" charset="0"/>
+                <a:ea typeface="Menlo" charset="0"/>
+                <a:cs typeface="Menlo" charset="0"/>
+              </a:rPr>
+            </a:br>
+            <a:r>
+              <a:rPr lang="en-US" sz="1600" dirty="0">
+                <a:solidFill>
+                  <a:srgbClr val="CC7832"/>
+                </a:solidFill>
+                <a:latin typeface="Menlo" charset="0"/>
+                <a:ea typeface="Menlo" charset="0"/>
+                <a:cs typeface="Menlo" charset="0"/>
+              </a:rPr>
+              <a:t>    </a:t>
+            </a:r>
+            <a:r>
+              <a:rPr lang="en-US" sz="1600" dirty="0" err="1">
+                <a:solidFill>
+                  <a:srgbClr val="CC7832"/>
+                </a:solidFill>
+                <a:latin typeface="Menlo" charset="0"/>
+                <a:ea typeface="Menlo" charset="0"/>
+                <a:cs typeface="Menlo" charset="0"/>
+              </a:rPr>
+              <a:t>def</a:t>
+            </a:r>
+            <a:r>
+              <a:rPr lang="en-US" sz="1600" dirty="0">
+                <a:solidFill>
+                  <a:srgbClr val="CC7832"/>
+                </a:solidFill>
+                <a:latin typeface="Menlo" charset="0"/>
+                <a:ea typeface="Menlo" charset="0"/>
+                <a:cs typeface="Menlo" charset="0"/>
+              </a:rPr>
+              <a:t> </a:t>
+            </a:r>
+            <a:r>
+              <a:rPr lang="en-US" sz="1600" dirty="0" err="1">
+                <a:solidFill>
+                  <a:srgbClr val="FFC66D"/>
+                </a:solidFill>
+                <a:latin typeface="Menlo" charset="0"/>
+                <a:ea typeface="Menlo" charset="0"/>
+                <a:cs typeface="Menlo" charset="0"/>
+              </a:rPr>
+              <a:t>is_displayed</a:t>
+            </a:r>
+            <a:r>
+              <a:rPr lang="en-US" sz="1600" dirty="0">
+                <a:latin typeface="Menlo" charset="0"/>
+                <a:ea typeface="Menlo" charset="0"/>
+                <a:cs typeface="Menlo" charset="0"/>
+              </a:rPr>
+              <a:t>(</a:t>
+            </a:r>
+            <a:r>
+              <a:rPr lang="en-US" sz="1600" dirty="0">
+                <a:solidFill>
+                  <a:srgbClr val="94558D"/>
+                </a:solidFill>
+                <a:latin typeface="Menlo" charset="0"/>
+                <a:ea typeface="Menlo" charset="0"/>
+                <a:cs typeface="Menlo" charset="0"/>
+              </a:rPr>
+              <a:t>self</a:t>
+            </a:r>
+            <a:r>
+              <a:rPr lang="en-US" sz="1600" dirty="0">
+                <a:latin typeface="Menlo" charset="0"/>
+                <a:ea typeface="Menlo" charset="0"/>
+                <a:cs typeface="Menlo" charset="0"/>
+              </a:rPr>
+              <a:t>) -&gt; </a:t>
+            </a:r>
+            <a:r>
+              <a:rPr lang="en-US" sz="1600" dirty="0">
+                <a:solidFill>
+                  <a:srgbClr val="8888C6"/>
+                </a:solidFill>
+                <a:latin typeface="Menlo" charset="0"/>
+                <a:ea typeface="Menlo" charset="0"/>
+                <a:cs typeface="Menlo" charset="0"/>
+              </a:rPr>
+              <a:t>bool</a:t>
+            </a:r>
+            <a:r>
+              <a:rPr lang="en-US" sz="1600" dirty="0">
+                <a:latin typeface="Menlo" charset="0"/>
+                <a:ea typeface="Menlo" charset="0"/>
+                <a:cs typeface="Menlo" charset="0"/>
+              </a:rPr>
+              <a:t>:</a:t>
+            </a:r>
+            <a:br>
+              <a:rPr lang="en-US" sz="1600" dirty="0">
+                <a:latin typeface="Menlo" charset="0"/>
+                <a:ea typeface="Menlo" charset="0"/>
+                <a:cs typeface="Menlo" charset="0"/>
+              </a:rPr>
+            </a:br>
+            <a:r>
+              <a:rPr lang="en-US" sz="1600" dirty="0">
+                <a:latin typeface="Menlo" charset="0"/>
+                <a:ea typeface="Menlo" charset="0"/>
+                <a:cs typeface="Menlo" charset="0"/>
+              </a:rPr>
+              <a:t>        </a:t>
+            </a:r>
+            <a:r>
+              <a:rPr lang="en-US" sz="1600" dirty="0">
+                <a:solidFill>
+                  <a:srgbClr val="CC7832"/>
+                </a:solidFill>
+                <a:latin typeface="Menlo" charset="0"/>
+                <a:ea typeface="Menlo" charset="0"/>
+                <a:cs typeface="Menlo" charset="0"/>
+              </a:rPr>
+              <a:t>return </a:t>
+            </a:r>
+            <a:r>
+              <a:rPr lang="en-US" sz="1600" dirty="0" err="1">
+                <a:solidFill>
+                  <a:srgbClr val="94558D"/>
+                </a:solidFill>
+                <a:latin typeface="Menlo" charset="0"/>
+                <a:ea typeface="Menlo" charset="0"/>
+                <a:cs typeface="Menlo" charset="0"/>
+              </a:rPr>
+              <a:t>self</a:t>
+            </a:r>
+            <a:r>
+              <a:rPr lang="en-US" sz="1600" dirty="0" err="1">
+                <a:latin typeface="Menlo" charset="0"/>
+                <a:ea typeface="Menlo" charset="0"/>
+                <a:cs typeface="Menlo" charset="0"/>
+              </a:rPr>
+              <a:t>.round_number</a:t>
+            </a:r>
+            <a:r>
+              <a:rPr lang="en-US" sz="1600" dirty="0">
+                <a:latin typeface="Menlo" charset="0"/>
+                <a:ea typeface="Menlo" charset="0"/>
+                <a:cs typeface="Menlo" charset="0"/>
+              </a:rPr>
+              <a:t> == </a:t>
+            </a:r>
+            <a:r>
+              <a:rPr lang="en-US" sz="1600" dirty="0">
+                <a:solidFill>
+                  <a:srgbClr val="6897BB"/>
+                </a:solidFill>
+                <a:latin typeface="Menlo" charset="0"/>
+                <a:ea typeface="Menlo" charset="0"/>
+                <a:cs typeface="Menlo" charset="0"/>
+              </a:rPr>
+              <a:t>1 </a:t>
+            </a:r>
+            <a:r>
+              <a:rPr lang="en-US" sz="1600" dirty="0">
+                <a:solidFill>
+                  <a:srgbClr val="CC7832"/>
+                </a:solidFill>
+                <a:latin typeface="Menlo" charset="0"/>
+                <a:ea typeface="Menlo" charset="0"/>
+                <a:cs typeface="Menlo" charset="0"/>
+              </a:rPr>
+              <a:t>and not </a:t>
+            </a:r>
+            <a:r>
+              <a:rPr lang="en-US" sz="1600" dirty="0" err="1">
+                <a:solidFill>
+                  <a:srgbClr val="94558D"/>
+                </a:solidFill>
+                <a:latin typeface="Menlo" charset="0"/>
+                <a:ea typeface="Menlo" charset="0"/>
+                <a:cs typeface="Menlo" charset="0"/>
+              </a:rPr>
+              <a:t>self</a:t>
+            </a:r>
+            <a:r>
+              <a:rPr lang="en-US" sz="1600" dirty="0" err="1">
+                <a:latin typeface="Menlo" charset="0"/>
+                <a:ea typeface="Menlo" charset="0"/>
+                <a:cs typeface="Menlo" charset="0"/>
+              </a:rPr>
+              <a:t>.subsession.random</a:t>
+            </a:r>
+            <a:r>
+              <a:rPr lang="en-US" sz="1600" dirty="0">
+                <a:latin typeface="Menlo" charset="0"/>
+                <a:ea typeface="Menlo" charset="0"/>
+                <a:cs typeface="Menlo" charset="0"/>
+              </a:rPr>
+              <a:t/>
+            </a:r>
+            <a:br>
+              <a:rPr lang="en-US" sz="1600" dirty="0">
+                <a:latin typeface="Menlo" charset="0"/>
+                <a:ea typeface="Menlo" charset="0"/>
+                <a:cs typeface="Menlo" charset="0"/>
+              </a:rPr>
+            </a:br>
+            <a:r>
+              <a:rPr lang="en-US" sz="1600" dirty="0">
+                <a:latin typeface="Menlo" charset="0"/>
+                <a:ea typeface="Menlo" charset="0"/>
+                <a:cs typeface="Menlo" charset="0"/>
+              </a:rPr>
+              <a:t/>
+            </a:r>
+            <a:br>
+              <a:rPr lang="en-US" sz="1600" dirty="0">
+                <a:latin typeface="Menlo" charset="0"/>
+                <a:ea typeface="Menlo" charset="0"/>
+                <a:cs typeface="Menlo" charset="0"/>
+              </a:rPr>
+            </a:br>
+            <a:r>
+              <a:rPr lang="en-US" sz="1600" dirty="0">
+                <a:latin typeface="Menlo" charset="0"/>
+                <a:ea typeface="Menlo" charset="0"/>
+                <a:cs typeface="Menlo" charset="0"/>
+              </a:rPr>
+              <a:t>    </a:t>
+            </a:r>
+            <a:r>
+              <a:rPr lang="en-US" sz="1600" dirty="0" err="1">
+                <a:solidFill>
+                  <a:srgbClr val="CC7832"/>
+                </a:solidFill>
+                <a:latin typeface="Menlo" charset="0"/>
+                <a:ea typeface="Menlo" charset="0"/>
+                <a:cs typeface="Menlo" charset="0"/>
+              </a:rPr>
+              <a:t>def</a:t>
+            </a:r>
+            <a:r>
+              <a:rPr lang="en-US" sz="1600" dirty="0">
+                <a:solidFill>
+                  <a:srgbClr val="CC7832"/>
+                </a:solidFill>
+                <a:latin typeface="Menlo" charset="0"/>
+                <a:ea typeface="Menlo" charset="0"/>
+                <a:cs typeface="Menlo" charset="0"/>
+              </a:rPr>
+              <a:t> </a:t>
+            </a:r>
+            <a:r>
+              <a:rPr lang="en-US" sz="1600" dirty="0" err="1">
+                <a:solidFill>
+                  <a:srgbClr val="FFC66D"/>
+                </a:solidFill>
+                <a:latin typeface="Menlo" charset="0"/>
+                <a:ea typeface="Menlo" charset="0"/>
+                <a:cs typeface="Menlo" charset="0"/>
+              </a:rPr>
+              <a:t>get_players_for_group</a:t>
+            </a:r>
+            <a:r>
+              <a:rPr lang="en-US" sz="1600" dirty="0">
+                <a:latin typeface="Menlo" charset="0"/>
+                <a:ea typeface="Menlo" charset="0"/>
+                <a:cs typeface="Menlo" charset="0"/>
+              </a:rPr>
+              <a:t>(</a:t>
+            </a:r>
+            <a:r>
+              <a:rPr lang="en-US" sz="1600" dirty="0">
+                <a:solidFill>
+                  <a:srgbClr val="94558D"/>
+                </a:solidFill>
+                <a:latin typeface="Menlo" charset="0"/>
+                <a:ea typeface="Menlo" charset="0"/>
+                <a:cs typeface="Menlo" charset="0"/>
+              </a:rPr>
+              <a:t>self</a:t>
+            </a:r>
+            <a:r>
+              <a:rPr lang="en-US" sz="1600" dirty="0">
+                <a:solidFill>
+                  <a:srgbClr val="CC7832"/>
+                </a:solidFill>
+                <a:latin typeface="Menlo" charset="0"/>
+                <a:ea typeface="Menlo" charset="0"/>
+                <a:cs typeface="Menlo" charset="0"/>
+              </a:rPr>
+              <a:t>, </a:t>
+            </a:r>
+            <a:r>
+              <a:rPr lang="en-US" sz="1600" dirty="0" err="1">
+                <a:latin typeface="Menlo" charset="0"/>
+                <a:ea typeface="Menlo" charset="0"/>
+                <a:cs typeface="Menlo" charset="0"/>
+              </a:rPr>
+              <a:t>waiting_players</a:t>
+            </a:r>
+            <a:r>
+              <a:rPr lang="en-US" sz="1600" dirty="0">
+                <a:latin typeface="Menlo" charset="0"/>
+                <a:ea typeface="Menlo" charset="0"/>
+                <a:cs typeface="Menlo" charset="0"/>
+              </a:rPr>
+              <a:t>):</a:t>
+            </a:r>
+            <a:br>
+              <a:rPr lang="en-US" sz="1600" dirty="0">
+                <a:latin typeface="Menlo" charset="0"/>
+                <a:ea typeface="Menlo" charset="0"/>
+                <a:cs typeface="Menlo" charset="0"/>
+              </a:rPr>
+            </a:br>
+            <a:r>
+              <a:rPr lang="en-US" sz="1600" dirty="0">
+                <a:latin typeface="Menlo" charset="0"/>
+                <a:ea typeface="Menlo" charset="0"/>
+                <a:cs typeface="Menlo" charset="0"/>
+              </a:rPr>
+              <a:t>        women = [p </a:t>
+            </a:r>
+            <a:r>
+              <a:rPr lang="en-US" sz="1600" dirty="0">
+                <a:solidFill>
+                  <a:srgbClr val="CC7832"/>
+                </a:solidFill>
+                <a:latin typeface="Menlo" charset="0"/>
+                <a:ea typeface="Menlo" charset="0"/>
+                <a:cs typeface="Menlo" charset="0"/>
+              </a:rPr>
+              <a:t>for </a:t>
+            </a:r>
+            <a:r>
+              <a:rPr lang="en-US" sz="1600" dirty="0">
+                <a:latin typeface="Menlo" charset="0"/>
+                <a:ea typeface="Menlo" charset="0"/>
+                <a:cs typeface="Menlo" charset="0"/>
+              </a:rPr>
+              <a:t>p </a:t>
+            </a:r>
+            <a:r>
+              <a:rPr lang="en-US" sz="1600" dirty="0">
+                <a:solidFill>
+                  <a:srgbClr val="CC7832"/>
+                </a:solidFill>
+                <a:latin typeface="Menlo" charset="0"/>
+                <a:ea typeface="Menlo" charset="0"/>
+                <a:cs typeface="Menlo" charset="0"/>
+              </a:rPr>
+              <a:t>in </a:t>
+            </a:r>
+            <a:r>
+              <a:rPr lang="en-US" sz="1600" dirty="0" err="1">
+                <a:latin typeface="Menlo" charset="0"/>
+                <a:ea typeface="Menlo" charset="0"/>
+                <a:cs typeface="Menlo" charset="0"/>
+              </a:rPr>
+              <a:t>waiting_players</a:t>
+            </a:r>
+            <a:r>
+              <a:rPr lang="en-US" sz="1600" dirty="0">
+                <a:latin typeface="Menlo" charset="0"/>
+                <a:ea typeface="Menlo" charset="0"/>
+                <a:cs typeface="Menlo" charset="0"/>
+              </a:rPr>
+              <a:t> </a:t>
+            </a:r>
+            <a:r>
+              <a:rPr lang="en-US" sz="1600" dirty="0">
+                <a:solidFill>
+                  <a:srgbClr val="CC7832"/>
+                </a:solidFill>
+                <a:latin typeface="Menlo" charset="0"/>
+                <a:ea typeface="Menlo" charset="0"/>
+                <a:cs typeface="Menlo" charset="0"/>
+              </a:rPr>
+              <a:t>if </a:t>
+            </a:r>
+            <a:r>
+              <a:rPr lang="en-US" sz="1600" dirty="0" err="1">
+                <a:latin typeface="Menlo" charset="0"/>
+                <a:ea typeface="Menlo" charset="0"/>
+                <a:cs typeface="Menlo" charset="0"/>
+              </a:rPr>
+              <a:t>p.participant.vars</a:t>
+            </a:r>
+            <a:r>
+              <a:rPr lang="en-US" sz="1600" dirty="0">
+                <a:latin typeface="Menlo" charset="0"/>
+                <a:ea typeface="Menlo" charset="0"/>
+                <a:cs typeface="Menlo" charset="0"/>
+              </a:rPr>
+              <a:t>[</a:t>
+            </a:r>
+            <a:r>
+              <a:rPr lang="en-US" sz="1600" dirty="0">
+                <a:solidFill>
+                  <a:srgbClr val="6A8759"/>
+                </a:solidFill>
+                <a:latin typeface="Menlo" charset="0"/>
+                <a:ea typeface="Menlo" charset="0"/>
+                <a:cs typeface="Menlo" charset="0"/>
+              </a:rPr>
+              <a:t>'gender'</a:t>
+            </a:r>
+            <a:r>
+              <a:rPr lang="en-US" sz="1600" dirty="0">
+                <a:latin typeface="Menlo" charset="0"/>
+                <a:ea typeface="Menlo" charset="0"/>
+                <a:cs typeface="Menlo" charset="0"/>
+              </a:rPr>
+              <a:t>] == </a:t>
+            </a:r>
+            <a:r>
+              <a:rPr lang="en-US" sz="1600" dirty="0">
+                <a:solidFill>
+                  <a:srgbClr val="6A8759"/>
+                </a:solidFill>
+                <a:latin typeface="Menlo" charset="0"/>
+                <a:ea typeface="Menlo" charset="0"/>
+                <a:cs typeface="Menlo" charset="0"/>
+              </a:rPr>
+              <a:t>'Female'</a:t>
+            </a:r>
+            <a:r>
+              <a:rPr lang="en-US" sz="1600" dirty="0">
+                <a:latin typeface="Menlo" charset="0"/>
+                <a:ea typeface="Menlo" charset="0"/>
+                <a:cs typeface="Menlo" charset="0"/>
+              </a:rPr>
+              <a:t>]</a:t>
+            </a:r>
+            <a:br>
+              <a:rPr lang="en-US" sz="1600" dirty="0">
+                <a:latin typeface="Menlo" charset="0"/>
+                <a:ea typeface="Menlo" charset="0"/>
+                <a:cs typeface="Menlo" charset="0"/>
+              </a:rPr>
+            </a:br>
+            <a:r>
+              <a:rPr lang="en-US" sz="1600" dirty="0">
+                <a:latin typeface="Menlo" charset="0"/>
+                <a:ea typeface="Menlo" charset="0"/>
+                <a:cs typeface="Menlo" charset="0"/>
+              </a:rPr>
+              <a:t>        men = [p </a:t>
+            </a:r>
+            <a:r>
+              <a:rPr lang="en-US" sz="1600" dirty="0">
+                <a:solidFill>
+                  <a:srgbClr val="CC7832"/>
+                </a:solidFill>
+                <a:latin typeface="Menlo" charset="0"/>
+                <a:ea typeface="Menlo" charset="0"/>
+                <a:cs typeface="Menlo" charset="0"/>
+              </a:rPr>
+              <a:t>for </a:t>
+            </a:r>
+            <a:r>
+              <a:rPr lang="en-US" sz="1600" dirty="0">
+                <a:latin typeface="Menlo" charset="0"/>
+                <a:ea typeface="Menlo" charset="0"/>
+                <a:cs typeface="Menlo" charset="0"/>
+              </a:rPr>
+              <a:t>p </a:t>
+            </a:r>
+            <a:r>
+              <a:rPr lang="en-US" sz="1600" dirty="0">
+                <a:solidFill>
+                  <a:srgbClr val="CC7832"/>
+                </a:solidFill>
+                <a:latin typeface="Menlo" charset="0"/>
+                <a:ea typeface="Menlo" charset="0"/>
+                <a:cs typeface="Menlo" charset="0"/>
+              </a:rPr>
+              <a:t>in </a:t>
+            </a:r>
+            <a:r>
+              <a:rPr lang="en-US" sz="1600" dirty="0" err="1">
+                <a:latin typeface="Menlo" charset="0"/>
+                <a:ea typeface="Menlo" charset="0"/>
+                <a:cs typeface="Menlo" charset="0"/>
+              </a:rPr>
+              <a:t>waiting_players</a:t>
+            </a:r>
+            <a:r>
+              <a:rPr lang="en-US" sz="1600" dirty="0">
+                <a:latin typeface="Menlo" charset="0"/>
+                <a:ea typeface="Menlo" charset="0"/>
+                <a:cs typeface="Menlo" charset="0"/>
+              </a:rPr>
+              <a:t> </a:t>
+            </a:r>
+            <a:r>
+              <a:rPr lang="en-US" sz="1600" dirty="0">
+                <a:solidFill>
+                  <a:srgbClr val="CC7832"/>
+                </a:solidFill>
+                <a:latin typeface="Menlo" charset="0"/>
+                <a:ea typeface="Menlo" charset="0"/>
+                <a:cs typeface="Menlo" charset="0"/>
+              </a:rPr>
+              <a:t>if </a:t>
+            </a:r>
+            <a:r>
+              <a:rPr lang="en-US" sz="1600" dirty="0" err="1">
+                <a:latin typeface="Menlo" charset="0"/>
+                <a:ea typeface="Menlo" charset="0"/>
+                <a:cs typeface="Menlo" charset="0"/>
+              </a:rPr>
+              <a:t>p.participant.vars</a:t>
+            </a:r>
+            <a:r>
+              <a:rPr lang="en-US" sz="1600" dirty="0">
+                <a:latin typeface="Menlo" charset="0"/>
+                <a:ea typeface="Menlo" charset="0"/>
+                <a:cs typeface="Menlo" charset="0"/>
+              </a:rPr>
+              <a:t>[</a:t>
+            </a:r>
+            <a:r>
+              <a:rPr lang="en-US" sz="1600" dirty="0">
+                <a:solidFill>
+                  <a:srgbClr val="6A8759"/>
+                </a:solidFill>
+                <a:latin typeface="Menlo" charset="0"/>
+                <a:ea typeface="Menlo" charset="0"/>
+                <a:cs typeface="Menlo" charset="0"/>
+              </a:rPr>
+              <a:t>'gender'</a:t>
+            </a:r>
+            <a:r>
+              <a:rPr lang="en-US" sz="1600" dirty="0">
+                <a:latin typeface="Menlo" charset="0"/>
+                <a:ea typeface="Menlo" charset="0"/>
+                <a:cs typeface="Menlo" charset="0"/>
+              </a:rPr>
+              <a:t>] == </a:t>
+            </a:r>
+            <a:r>
+              <a:rPr lang="en-US" sz="1600" dirty="0">
+                <a:solidFill>
+                  <a:srgbClr val="6A8759"/>
+                </a:solidFill>
+                <a:latin typeface="Menlo" charset="0"/>
+                <a:ea typeface="Menlo" charset="0"/>
+                <a:cs typeface="Menlo" charset="0"/>
+              </a:rPr>
+              <a:t>'Male'</a:t>
+            </a:r>
+            <a:r>
+              <a:rPr lang="en-US" sz="1600" dirty="0">
+                <a:latin typeface="Menlo" charset="0"/>
+                <a:ea typeface="Menlo" charset="0"/>
+                <a:cs typeface="Menlo" charset="0"/>
+              </a:rPr>
+              <a:t>]</a:t>
+            </a:r>
+            <a:br>
+              <a:rPr lang="en-US" sz="1600" dirty="0">
+                <a:latin typeface="Menlo" charset="0"/>
+                <a:ea typeface="Menlo" charset="0"/>
+                <a:cs typeface="Menlo" charset="0"/>
+              </a:rPr>
+            </a:br>
+            <a:r>
+              <a:rPr lang="en-US" sz="1600" dirty="0">
+                <a:latin typeface="Menlo" charset="0"/>
+                <a:ea typeface="Menlo" charset="0"/>
+                <a:cs typeface="Menlo" charset="0"/>
+              </a:rPr>
+              <a:t>        </a:t>
+            </a:r>
+            <a:r>
+              <a:rPr lang="en-US" sz="1600" dirty="0">
+                <a:solidFill>
+                  <a:srgbClr val="CC7832"/>
+                </a:solidFill>
+                <a:latin typeface="Menlo" charset="0"/>
+                <a:ea typeface="Menlo" charset="0"/>
+                <a:cs typeface="Menlo" charset="0"/>
+              </a:rPr>
+              <a:t>if </a:t>
+            </a:r>
+            <a:r>
+              <a:rPr lang="en-US" sz="1600" dirty="0" err="1">
+                <a:solidFill>
+                  <a:srgbClr val="8888C6"/>
+                </a:solidFill>
+                <a:latin typeface="Menlo" charset="0"/>
+                <a:ea typeface="Menlo" charset="0"/>
+                <a:cs typeface="Menlo" charset="0"/>
+              </a:rPr>
+              <a:t>len</a:t>
+            </a:r>
+            <a:r>
+              <a:rPr lang="en-US" sz="1600" dirty="0">
+                <a:latin typeface="Menlo" charset="0"/>
+                <a:ea typeface="Menlo" charset="0"/>
+                <a:cs typeface="Menlo" charset="0"/>
+              </a:rPr>
+              <a:t>(women) &gt;= </a:t>
+            </a:r>
+            <a:r>
+              <a:rPr lang="en-US" sz="1600" dirty="0" err="1">
+                <a:latin typeface="Menlo" charset="0"/>
+                <a:ea typeface="Menlo" charset="0"/>
+                <a:cs typeface="Menlo" charset="0"/>
+              </a:rPr>
+              <a:t>Constants.players_per_group</a:t>
+            </a:r>
+            <a:r>
+              <a:rPr lang="en-US" sz="1600" dirty="0">
+                <a:latin typeface="Menlo" charset="0"/>
+                <a:ea typeface="Menlo" charset="0"/>
+                <a:cs typeface="Menlo" charset="0"/>
+              </a:rPr>
+              <a:t>:</a:t>
+            </a:r>
+            <a:br>
+              <a:rPr lang="en-US" sz="1600" dirty="0">
+                <a:latin typeface="Menlo" charset="0"/>
+                <a:ea typeface="Menlo" charset="0"/>
+                <a:cs typeface="Menlo" charset="0"/>
+              </a:rPr>
+            </a:br>
+            <a:r>
+              <a:rPr lang="en-US" sz="1600" dirty="0">
+                <a:latin typeface="Menlo" charset="0"/>
+                <a:ea typeface="Menlo" charset="0"/>
+                <a:cs typeface="Menlo" charset="0"/>
+              </a:rPr>
+              <a:t>            </a:t>
+            </a:r>
+            <a:r>
+              <a:rPr lang="en-US" sz="1600" dirty="0">
+                <a:solidFill>
+                  <a:srgbClr val="CC7832"/>
+                </a:solidFill>
+                <a:latin typeface="Menlo" charset="0"/>
+                <a:ea typeface="Menlo" charset="0"/>
+                <a:cs typeface="Menlo" charset="0"/>
+              </a:rPr>
+              <a:t>return </a:t>
+            </a:r>
+            <a:r>
+              <a:rPr lang="en-US" sz="1600" dirty="0">
+                <a:latin typeface="Menlo" charset="0"/>
+                <a:ea typeface="Menlo" charset="0"/>
+                <a:cs typeface="Menlo" charset="0"/>
+              </a:rPr>
+              <a:t>women[:</a:t>
+            </a:r>
+            <a:r>
+              <a:rPr lang="en-US" sz="1600" dirty="0" err="1">
+                <a:latin typeface="Menlo" charset="0"/>
+                <a:ea typeface="Menlo" charset="0"/>
+                <a:cs typeface="Menlo" charset="0"/>
+              </a:rPr>
+              <a:t>Constants.players_per_group</a:t>
+            </a:r>
+            <a:r>
+              <a:rPr lang="en-US" sz="1600" dirty="0">
+                <a:latin typeface="Menlo" charset="0"/>
+                <a:ea typeface="Menlo" charset="0"/>
+                <a:cs typeface="Menlo" charset="0"/>
+              </a:rPr>
+              <a:t>]</a:t>
+            </a:r>
+            <a:br>
+              <a:rPr lang="en-US" sz="1600" dirty="0">
+                <a:latin typeface="Menlo" charset="0"/>
+                <a:ea typeface="Menlo" charset="0"/>
+                <a:cs typeface="Menlo" charset="0"/>
+              </a:rPr>
+            </a:br>
+            <a:r>
+              <a:rPr lang="en-US" sz="1600" dirty="0">
+                <a:latin typeface="Menlo" charset="0"/>
+                <a:ea typeface="Menlo" charset="0"/>
+                <a:cs typeface="Menlo" charset="0"/>
+              </a:rPr>
+              <a:t>        </a:t>
+            </a:r>
+            <a:r>
+              <a:rPr lang="en-US" sz="1600" dirty="0">
+                <a:solidFill>
+                  <a:srgbClr val="CC7832"/>
+                </a:solidFill>
+                <a:latin typeface="Menlo" charset="0"/>
+                <a:ea typeface="Menlo" charset="0"/>
+                <a:cs typeface="Menlo" charset="0"/>
+              </a:rPr>
+              <a:t>if </a:t>
+            </a:r>
+            <a:r>
+              <a:rPr lang="en-US" sz="1600" dirty="0" err="1">
+                <a:solidFill>
+                  <a:srgbClr val="8888C6"/>
+                </a:solidFill>
+                <a:latin typeface="Menlo" charset="0"/>
+                <a:ea typeface="Menlo" charset="0"/>
+                <a:cs typeface="Menlo" charset="0"/>
+              </a:rPr>
+              <a:t>len</a:t>
+            </a:r>
+            <a:r>
+              <a:rPr lang="en-US" sz="1600" dirty="0">
+                <a:latin typeface="Menlo" charset="0"/>
+                <a:ea typeface="Menlo" charset="0"/>
+                <a:cs typeface="Menlo" charset="0"/>
+              </a:rPr>
+              <a:t>(men) &gt;= </a:t>
+            </a:r>
+            <a:r>
+              <a:rPr lang="en-US" sz="1600" dirty="0" err="1">
+                <a:latin typeface="Menlo" charset="0"/>
+                <a:ea typeface="Menlo" charset="0"/>
+                <a:cs typeface="Menlo" charset="0"/>
+              </a:rPr>
+              <a:t>Constants.players_per_group</a:t>
+            </a:r>
+            <a:r>
+              <a:rPr lang="en-US" sz="1600" dirty="0">
+                <a:latin typeface="Menlo" charset="0"/>
+                <a:ea typeface="Menlo" charset="0"/>
+                <a:cs typeface="Menlo" charset="0"/>
+              </a:rPr>
+              <a:t>:</a:t>
+            </a:r>
+            <a:br>
+              <a:rPr lang="en-US" sz="1600" dirty="0">
+                <a:latin typeface="Menlo" charset="0"/>
+                <a:ea typeface="Menlo" charset="0"/>
+                <a:cs typeface="Menlo" charset="0"/>
+              </a:rPr>
+            </a:br>
+            <a:r>
+              <a:rPr lang="en-US" sz="1600" dirty="0">
+                <a:latin typeface="Menlo" charset="0"/>
+                <a:ea typeface="Menlo" charset="0"/>
+                <a:cs typeface="Menlo" charset="0"/>
+              </a:rPr>
+              <a:t>            </a:t>
+            </a:r>
+            <a:r>
+              <a:rPr lang="en-US" sz="1600" dirty="0">
+                <a:solidFill>
+                  <a:srgbClr val="CC7832"/>
+                </a:solidFill>
+                <a:latin typeface="Menlo" charset="0"/>
+                <a:ea typeface="Menlo" charset="0"/>
+                <a:cs typeface="Menlo" charset="0"/>
+              </a:rPr>
+              <a:t>return </a:t>
+            </a:r>
+            <a:r>
+              <a:rPr lang="en-US" sz="1600" dirty="0">
+                <a:latin typeface="Menlo" charset="0"/>
+                <a:ea typeface="Menlo" charset="0"/>
+                <a:cs typeface="Menlo" charset="0"/>
+              </a:rPr>
+              <a:t>men[:</a:t>
+            </a:r>
+            <a:r>
+              <a:rPr lang="en-US" sz="1600" dirty="0" err="1">
+                <a:latin typeface="Menlo" charset="0"/>
+                <a:ea typeface="Menlo" charset="0"/>
+                <a:cs typeface="Menlo" charset="0"/>
+              </a:rPr>
+              <a:t>Constants.players_per_group</a:t>
+            </a:r>
+            <a:r>
+              <a:rPr lang="en-US" sz="1600" dirty="0">
+                <a:latin typeface="Menlo" charset="0"/>
+                <a:ea typeface="Menlo" charset="0"/>
+                <a:cs typeface="Menlo" charset="0"/>
+              </a:rPr>
+              <a:t>]</a:t>
+            </a:r>
           </a:p>
         </p:txBody>
       </p:sp>
@@ -4674,6 +8564,13 @@
   <p:clrMapOvr>
     <a:masterClrMapping/>
   </p:clrMapOvr>
+  <p:timing>
+    <p:tnLst>
+      <p:par>
+        <p:cTn id="1" dur="indefinite" restart="never" nodeType="tmRoot"/>
+      </p:par>
+    </p:tnLst>
+  </p:timing>
 </p:sld>
 </file>
 
